--- a/docs/typescript-session-ppt.pptx
+++ b/docs/typescript-session-ppt.pptx
@@ -5,7 +5,7 @@
     <p:sldMasterId id="2147484407" r:id="rId1"/>
   </p:sldMasterIdLst>
   <p:notesMasterIdLst>
-    <p:notesMasterId r:id="rId20"/>
+    <p:notesMasterId r:id="rId21"/>
   </p:notesMasterIdLst>
   <p:sldIdLst>
     <p:sldId id="256" r:id="rId2"/>
@@ -21,11 +21,12 @@
     <p:sldId id="288" r:id="rId12"/>
     <p:sldId id="289" r:id="rId13"/>
     <p:sldId id="290" r:id="rId14"/>
-    <p:sldId id="291" r:id="rId15"/>
-    <p:sldId id="287" r:id="rId16"/>
-    <p:sldId id="292" r:id="rId17"/>
-    <p:sldId id="293" r:id="rId18"/>
-    <p:sldId id="294" r:id="rId19"/>
+    <p:sldId id="297" r:id="rId15"/>
+    <p:sldId id="291" r:id="rId16"/>
+    <p:sldId id="287" r:id="rId17"/>
+    <p:sldId id="292" r:id="rId18"/>
+    <p:sldId id="293" r:id="rId19"/>
+    <p:sldId id="294" r:id="rId20"/>
   </p:sldIdLst>
   <p:sldSz cx="12192000" cy="6858000"/>
   <p:notesSz cx="6858000" cy="9144000"/>
@@ -3827,6 +3828,13 @@
         </dgm:presLayoutVars>
       </dgm:prSet>
       <dgm:spPr/>
+      <dgm:t>
+        <a:bodyPr/>
+        <a:lstStyle/>
+        <a:p>
+          <a:endParaRPr lang="en-US"/>
+        </a:p>
+      </dgm:t>
     </dgm:pt>
     <dgm:pt modelId="{A5721E31-A6A8-4916-9AE6-68A8355CCCC3}" type="pres">
       <dgm:prSet presAssocID="{74BB4693-9E52-4C98-A756-7DA725ACB1C8}" presName="Accent3" presStyleCnt="0"/>
@@ -3883,6 +3891,13 @@
     <dgm:pt modelId="{45A94571-5290-444A-B516-535AA93C7BA8}" type="pres">
       <dgm:prSet presAssocID="{83B01284-6764-4B2C-8BAC-C61A3A8ACAEC}" presName="ParentBackground" presStyleLbl="fgAcc1" presStyleIdx="1" presStyleCnt="3"/>
       <dgm:spPr/>
+      <dgm:t>
+        <a:bodyPr/>
+        <a:lstStyle/>
+        <a:p>
+          <a:endParaRPr lang="en-US"/>
+        </a:p>
+      </dgm:t>
     </dgm:pt>
     <dgm:pt modelId="{E788C9F4-141E-4FBA-B36A-6E12B35EA29E}" type="pres">
       <dgm:prSet presAssocID="{83B01284-6764-4B2C-8BAC-C61A3A8ACAEC}" presName="Parent2" presStyleLbl="revTx" presStyleIdx="0" presStyleCnt="0">
@@ -3893,6 +3908,13 @@
         </dgm:presLayoutVars>
       </dgm:prSet>
       <dgm:spPr/>
+      <dgm:t>
+        <a:bodyPr/>
+        <a:lstStyle/>
+        <a:p>
+          <a:endParaRPr lang="en-US"/>
+        </a:p>
+      </dgm:t>
     </dgm:pt>
     <dgm:pt modelId="{55AB2546-FACD-4E96-A413-44401FAA17E6}" type="pres">
       <dgm:prSet presAssocID="{D1D7946E-D596-4406-A467-9CB22B9C8E2E}" presName="Accent1" presStyleCnt="0"/>
@@ -15133,7 +15155,7 @@
           <a:p>
             <a:fld id="{DC276862-5101-4E71-B050-A8E7E8690B5B}" type="datetimeFigureOut">
               <a:rPr lang="en-US" smtClean="0"/>
-              <a:t>7/18/2017</a:t>
+              <a:t>7/20/2017</a:t>
             </a:fld>
             <a:endParaRPr lang="en-US"/>
           </a:p>
@@ -15664,42 +15686,6 @@
           <a:lstStyle/>
           <a:p>
             <a:r>
-              <a:rPr lang="en-US" sz="1200" b="0" i="0" kern="1200" dirty="0" smtClean="0">
-                <a:solidFill>
-                  <a:schemeClr val="tx1"/>
-                </a:solidFill>
-                <a:effectLst/>
-                <a:latin typeface="+mn-lt"/>
-                <a:ea typeface="+mn-ea"/>
-                <a:cs typeface="+mn-cs"/>
-              </a:rPr>
-              <a:t> </a:t>
-            </a:r>
-            <a:r>
-              <a:rPr lang="en-US" sz="1200" b="0" i="0" kern="1200" dirty="0" err="1" smtClean="0">
-                <a:solidFill>
-                  <a:schemeClr val="tx1"/>
-                </a:solidFill>
-                <a:effectLst/>
-                <a:latin typeface="+mn-lt"/>
-                <a:ea typeface="+mn-ea"/>
-                <a:cs typeface="+mn-cs"/>
-              </a:rPr>
-              <a:t>ECMAScript</a:t>
-            </a:r>
-            <a:r>
-              <a:rPr lang="en-US" sz="1200" b="0" i="0" kern="1200" dirty="0" smtClean="0">
-                <a:solidFill>
-                  <a:schemeClr val="tx1"/>
-                </a:solidFill>
-                <a:effectLst/>
-                <a:latin typeface="+mn-lt"/>
-                <a:ea typeface="+mn-ea"/>
-                <a:cs typeface="+mn-cs"/>
-              </a:rPr>
-              <a:t> 6 and </a:t>
-            </a:r>
-            <a:r>
               <a:rPr lang="en-US" sz="1200" b="0" i="0" kern="1200" dirty="0" err="1" smtClean="0">
                 <a:solidFill>
                   <a:schemeClr val="tx1"/>
@@ -15721,7 +15707,7 @@
                 <a:ea typeface="+mn-ea"/>
                 <a:cs typeface="+mn-cs"/>
               </a:rPr>
-              <a:t> do have formal support for classes. Classes in </a:t>
+              <a:t> is object oriented JavaScript. </a:t>
             </a:r>
             <a:r>
               <a:rPr lang="en-US" sz="1200" b="0" i="0" kern="1200" dirty="0" err="1" smtClean="0">
@@ -15745,7 +15731,7 @@
                 <a:ea typeface="+mn-ea"/>
                 <a:cs typeface="+mn-cs"/>
               </a:rPr>
-              <a:t> should feel very familiar to any developer familiar with mainstream languages like C# and Java.</a:t>
+              <a:t> supports object-oriented programming features like classes, interfaces, etc. A class in terms of OOP is a blueprint for creating objects. A class encapsulates data for the object. Typescript gives built in support for this concept called class. JavaScript ES5 or earlier didn’t support classes. Typescript gets this feature from ES6.</a:t>
             </a:r>
           </a:p>
           <a:p>
@@ -15760,23 +15746,6 @@
             </a:endParaRPr>
           </a:p>
           <a:p>
-            <a:pPr marL="0" marR="0" indent="0" algn="l" defTabSz="914400" rtl="0" eaLnBrk="1" fontAlgn="auto" latinLnBrk="0" hangingPunct="1">
-              <a:lnSpc>
-                <a:spcPct val="100000"/>
-              </a:lnSpc>
-              <a:spcBef>
-                <a:spcPts val="0"/>
-              </a:spcBef>
-              <a:spcAft>
-                <a:spcPts val="0"/>
-              </a:spcAft>
-              <a:buClrTx/>
-              <a:buSzTx/>
-              <a:buFontTx/>
-              <a:buNone/>
-              <a:tabLst/>
-              <a:defRPr/>
-            </a:pPr>
             <a:r>
               <a:rPr lang="en-US" sz="1200" b="0" i="0" kern="1200" dirty="0" smtClean="0">
                 <a:solidFill>
@@ -15787,10 +15756,22 @@
                 <a:ea typeface="+mn-ea"/>
                 <a:cs typeface="+mn-cs"/>
               </a:rPr>
-              <a:t>Private/Public Modifiers</a:t>
-            </a:r>
-          </a:p>
-          <a:p>
+              <a:t>A class definition can include the following −</a:t>
+            </a:r>
+          </a:p>
+          <a:p>
+            <a:r>
+              <a:rPr lang="en-US" sz="1200" b="1" i="0" kern="1200" dirty="0" smtClean="0">
+                <a:solidFill>
+                  <a:schemeClr val="tx1"/>
+                </a:solidFill>
+                <a:effectLst/>
+                <a:latin typeface="+mn-lt"/>
+                <a:ea typeface="+mn-ea"/>
+                <a:cs typeface="+mn-cs"/>
+              </a:rPr>
+              <a:t>Fields</a:t>
+            </a:r>
             <a:r>
               <a:rPr lang="en-US" sz="1200" b="0" i="0" kern="1200" dirty="0" smtClean="0">
                 <a:solidFill>
@@ -15801,10 +15782,12 @@
                 <a:ea typeface="+mn-ea"/>
                 <a:cs typeface="+mn-cs"/>
               </a:rPr>
-              <a:t>Members in </a:t>
-            </a:r>
-            <a:r>
-              <a:rPr lang="en-US" sz="1200" b="0" i="0" kern="1200" dirty="0" err="1" smtClean="0">
+              <a:t> − A field is any variable declared in a class. Fields represent data pertaining to objects</a:t>
+            </a:r>
+          </a:p>
+          <a:p>
+            <a:r>
+              <a:rPr lang="en-US" sz="1200" b="1" i="0" kern="1200" dirty="0" smtClean="0">
                 <a:solidFill>
                   <a:schemeClr val="tx1"/>
                 </a:solidFill>
@@ -15813,7 +15796,7 @@
                 <a:ea typeface="+mn-ea"/>
                 <a:cs typeface="+mn-cs"/>
               </a:rPr>
-              <a:t>TypeScript</a:t>
+              <a:t>Constructors</a:t>
             </a:r>
             <a:r>
               <a:rPr lang="en-US" sz="1200" b="0" i="0" kern="1200" dirty="0" smtClean="0">
@@ -15825,10 +15808,12 @@
                 <a:ea typeface="+mn-ea"/>
                 <a:cs typeface="+mn-cs"/>
               </a:rPr>
-              <a:t> are public by default. However, you can use the </a:t>
-            </a:r>
-            <a:r>
-              <a:rPr lang="en-US" sz="1200" b="0" i="1" kern="1200" dirty="0" smtClean="0">
+              <a:t> − Responsible for allocating memory for the objects of the class</a:t>
+            </a:r>
+          </a:p>
+          <a:p>
+            <a:r>
+              <a:rPr lang="en-US" sz="1200" b="1" i="0" kern="1200" dirty="0" smtClean="0">
                 <a:solidFill>
                   <a:schemeClr val="tx1"/>
                 </a:solidFill>
@@ -15837,7 +15822,7 @@
                 <a:ea typeface="+mn-ea"/>
                 <a:cs typeface="+mn-cs"/>
               </a:rPr>
-              <a:t>private</a:t>
+              <a:t>Functions</a:t>
             </a:r>
             <a:r>
               <a:rPr lang="en-US" sz="1200" b="0" i="0" kern="1200" dirty="0" smtClean="0">
@@ -15849,20 +15834,10 @@
                 <a:ea typeface="+mn-ea"/>
                 <a:cs typeface="+mn-cs"/>
               </a:rPr>
-              <a:t> keyword to </a:t>
-            </a:r>
-            <a:r>
-              <a:rPr lang="en-US" sz="1200" b="0" i="0" kern="1200" dirty="0" err="1" smtClean="0">
-                <a:solidFill>
-                  <a:schemeClr val="tx1"/>
-                </a:solidFill>
-                <a:effectLst/>
-                <a:latin typeface="+mn-lt"/>
-                <a:ea typeface="+mn-ea"/>
-                <a:cs typeface="+mn-cs"/>
-              </a:rPr>
-              <a:t>explicity</a:t>
-            </a:r>
+              <a:t> − Functions represent actions an object can take. They are also at times referred to as methods</a:t>
+            </a:r>
+          </a:p>
+          <a:p>
             <a:r>
               <a:rPr lang="en-US" sz="1200" b="0" i="0" kern="1200" dirty="0" smtClean="0">
                 <a:solidFill>
@@ -15873,7 +15848,16 @@
                 <a:ea typeface="+mn-ea"/>
                 <a:cs typeface="+mn-cs"/>
               </a:rPr>
-              <a:t> prevent a member from being accessible outside the class.</a:t>
+              <a:t>These components put together are termed as the data members of the class.</a:t>
+            </a:r>
+          </a:p>
+          <a:p>
+            <a:endParaRPr lang="en-US" dirty="0" smtClean="0"/>
+          </a:p>
+          <a:p>
+            <a:r>
+              <a:rPr lang="en-US" dirty="0" smtClean="0"/>
+              <a:t>https://www.tutorialspoint.com/typescript/typescript_classes.htm</a:t>
             </a:r>
             <a:endParaRPr lang="en-US" dirty="0"/>
           </a:p>
@@ -15960,323 +15944,307 @@
           <a:lstStyle/>
           <a:p>
             <a:r>
-              <a:rPr lang="en-US" sz="1200" b="0" i="0" kern="1200" dirty="0" err="1" smtClean="0">
-                <a:solidFill>
-                  <a:schemeClr val="tx1"/>
-                </a:solidFill>
-                <a:effectLst/>
-                <a:latin typeface="+mn-lt"/>
-                <a:ea typeface="+mn-ea"/>
-                <a:cs typeface="+mn-cs"/>
-              </a:rPr>
-              <a:t>Enums</a:t>
-            </a:r>
-            <a:r>
-              <a:rPr lang="en-US" sz="1200" b="0" i="0" kern="1200" dirty="0" smtClean="0">
-                <a:solidFill>
-                  <a:schemeClr val="tx1"/>
-                </a:solidFill>
-                <a:effectLst/>
-                <a:latin typeface="+mn-lt"/>
-                <a:ea typeface="+mn-ea"/>
-                <a:cs typeface="+mn-cs"/>
-              </a:rPr>
-              <a:t> allow us to define a set of named numeric constants. An </a:t>
-            </a:r>
-            <a:r>
-              <a:rPr lang="en-US" sz="1200" b="0" i="0" kern="1200" dirty="0" err="1" smtClean="0">
-                <a:solidFill>
-                  <a:schemeClr val="tx1"/>
-                </a:solidFill>
-                <a:effectLst/>
-                <a:latin typeface="+mn-lt"/>
-                <a:ea typeface="+mn-ea"/>
-                <a:cs typeface="+mn-cs"/>
-              </a:rPr>
-              <a:t>enum</a:t>
-            </a:r>
-            <a:r>
-              <a:rPr lang="en-US" sz="1200" b="0" i="0" kern="1200" dirty="0" smtClean="0">
-                <a:solidFill>
-                  <a:schemeClr val="tx1"/>
-                </a:solidFill>
-                <a:effectLst/>
-                <a:latin typeface="+mn-lt"/>
-                <a:ea typeface="+mn-ea"/>
-                <a:cs typeface="+mn-cs"/>
-              </a:rPr>
-              <a:t> can be defined using the </a:t>
-            </a:r>
-            <a:r>
-              <a:rPr lang="en-US" sz="1200" b="0" i="0" kern="1200" dirty="0" err="1" smtClean="0">
-                <a:solidFill>
-                  <a:schemeClr val="tx1"/>
-                </a:solidFill>
-                <a:effectLst/>
-                <a:latin typeface="+mn-lt"/>
-                <a:ea typeface="+mn-ea"/>
-                <a:cs typeface="+mn-cs"/>
-              </a:rPr>
-              <a:t>enum</a:t>
-            </a:r>
-            <a:r>
-              <a:rPr lang="en-US" sz="1200" b="0" i="0" kern="1200" dirty="0" smtClean="0">
-                <a:solidFill>
-                  <a:schemeClr val="tx1"/>
-                </a:solidFill>
-                <a:effectLst/>
-                <a:latin typeface="+mn-lt"/>
-                <a:ea typeface="+mn-ea"/>
-                <a:cs typeface="+mn-cs"/>
-              </a:rPr>
-              <a:t> keyword.</a:t>
-            </a:r>
-          </a:p>
-          <a:p>
+              <a:rPr lang="en-US" dirty="0" err="1" smtClean="0"/>
+              <a:t>TypeScript</a:t>
+            </a:r>
             <a:r>
               <a:rPr lang="en-US" dirty="0" smtClean="0"/>
-              <a:t/>
-            </a:r>
-            <a:br>
+              <a:t> supports the concept of Inheritance. Inheritance is the ability of a program to create new classes from an existing class. The class that is extended to create newer classes is called the parent class/super class. The newly created classes are called the child/sub classes.</a:t>
+            </a:r>
+          </a:p>
+          <a:p>
+            <a:endParaRPr lang="en-US" dirty="0" smtClean="0"/>
+          </a:p>
+          <a:p>
+            <a:r>
               <a:rPr lang="en-US" dirty="0" smtClean="0"/>
-            </a:br>
-            <a:r>
-              <a:rPr lang="en-US" sz="1200" b="0" i="0" kern="1200" dirty="0" err="1" smtClean="0">
-                <a:solidFill>
-                  <a:schemeClr val="tx1"/>
-                </a:solidFill>
-                <a:effectLst/>
-                <a:latin typeface="+mn-lt"/>
-                <a:ea typeface="+mn-ea"/>
-                <a:cs typeface="+mn-cs"/>
-              </a:rPr>
-              <a:t>Enums</a:t>
-            </a:r>
-            <a:r>
-              <a:rPr lang="en-US" sz="1200" b="0" i="0" kern="1200" dirty="0" smtClean="0">
-                <a:solidFill>
-                  <a:schemeClr val="tx1"/>
-                </a:solidFill>
-                <a:effectLst/>
-                <a:latin typeface="+mn-lt"/>
-                <a:ea typeface="+mn-ea"/>
-                <a:cs typeface="+mn-cs"/>
-              </a:rPr>
-              <a:t> are real objects that exist at runtime. One reason is the ability to maintain a reverse mapping from </a:t>
-            </a:r>
-            <a:r>
-              <a:rPr lang="en-US" sz="1200" b="0" i="0" kern="1200" dirty="0" err="1" smtClean="0">
-                <a:solidFill>
-                  <a:schemeClr val="tx1"/>
-                </a:solidFill>
-                <a:effectLst/>
-                <a:latin typeface="+mn-lt"/>
-                <a:ea typeface="+mn-ea"/>
-                <a:cs typeface="+mn-cs"/>
-              </a:rPr>
-              <a:t>enum</a:t>
-            </a:r>
-            <a:r>
-              <a:rPr lang="en-US" sz="1200" b="0" i="0" kern="1200" dirty="0" smtClean="0">
-                <a:solidFill>
-                  <a:schemeClr val="tx1"/>
-                </a:solidFill>
-                <a:effectLst/>
-                <a:latin typeface="+mn-lt"/>
-                <a:ea typeface="+mn-ea"/>
-                <a:cs typeface="+mn-cs"/>
-              </a:rPr>
-              <a:t> values to </a:t>
-            </a:r>
-            <a:r>
-              <a:rPr lang="en-US" sz="1200" b="0" i="0" kern="1200" dirty="0" err="1" smtClean="0">
-                <a:solidFill>
-                  <a:schemeClr val="tx1"/>
-                </a:solidFill>
-                <a:effectLst/>
-                <a:latin typeface="+mn-lt"/>
-                <a:ea typeface="+mn-ea"/>
-                <a:cs typeface="+mn-cs"/>
-              </a:rPr>
-              <a:t>enum</a:t>
-            </a:r>
-            <a:r>
-              <a:rPr lang="en-US" sz="1200" b="0" i="0" kern="1200" dirty="0" smtClean="0">
-                <a:solidFill>
-                  <a:schemeClr val="tx1"/>
-                </a:solidFill>
-                <a:effectLst/>
-                <a:latin typeface="+mn-lt"/>
-                <a:ea typeface="+mn-ea"/>
-                <a:cs typeface="+mn-cs"/>
-              </a:rPr>
-              <a:t> names.</a:t>
-            </a:r>
-          </a:p>
-          <a:p>
-            <a:endParaRPr lang="en-US" b="1" dirty="0" smtClean="0">
-              <a:effectLst/>
-            </a:endParaRPr>
-          </a:p>
-          <a:p>
-            <a:r>
-              <a:rPr lang="en-US" sz="1200" b="0" i="0" kern="1200" dirty="0" smtClean="0">
-                <a:solidFill>
-                  <a:schemeClr val="tx1"/>
-                </a:solidFill>
-                <a:effectLst/>
-                <a:latin typeface="+mn-lt"/>
-                <a:ea typeface="+mn-ea"/>
-                <a:cs typeface="+mn-cs"/>
-              </a:rPr>
-              <a:t>The body of an </a:t>
-            </a:r>
-            <a:r>
-              <a:rPr lang="en-US" sz="1200" b="0" i="0" kern="1200" dirty="0" err="1" smtClean="0">
-                <a:solidFill>
-                  <a:schemeClr val="tx1"/>
-                </a:solidFill>
-                <a:effectLst/>
-                <a:latin typeface="+mn-lt"/>
-                <a:ea typeface="+mn-ea"/>
-                <a:cs typeface="+mn-cs"/>
-              </a:rPr>
-              <a:t>enum</a:t>
-            </a:r>
-            <a:r>
-              <a:rPr lang="en-US" sz="1200" b="0" i="0" kern="1200" dirty="0" smtClean="0">
-                <a:solidFill>
-                  <a:schemeClr val="tx1"/>
-                </a:solidFill>
-                <a:effectLst/>
-                <a:latin typeface="+mn-lt"/>
-                <a:ea typeface="+mn-ea"/>
-                <a:cs typeface="+mn-cs"/>
-              </a:rPr>
-              <a:t> consists of zero or more </a:t>
-            </a:r>
-            <a:r>
-              <a:rPr lang="en-US" sz="1200" b="0" i="0" kern="1200" dirty="0" err="1" smtClean="0">
-                <a:solidFill>
-                  <a:schemeClr val="tx1"/>
-                </a:solidFill>
-                <a:effectLst/>
-                <a:latin typeface="+mn-lt"/>
-                <a:ea typeface="+mn-ea"/>
-                <a:cs typeface="+mn-cs"/>
-              </a:rPr>
-              <a:t>enum</a:t>
-            </a:r>
-            <a:r>
-              <a:rPr lang="en-US" sz="1200" b="0" i="0" kern="1200" dirty="0" smtClean="0">
-                <a:solidFill>
-                  <a:schemeClr val="tx1"/>
-                </a:solidFill>
-                <a:effectLst/>
-                <a:latin typeface="+mn-lt"/>
-                <a:ea typeface="+mn-ea"/>
-                <a:cs typeface="+mn-cs"/>
-              </a:rPr>
-              <a:t> members. </a:t>
-            </a:r>
-            <a:r>
-              <a:rPr lang="en-US" sz="1200" b="0" i="0" kern="1200" dirty="0" err="1" smtClean="0">
-                <a:solidFill>
-                  <a:schemeClr val="tx1"/>
-                </a:solidFill>
-                <a:effectLst/>
-                <a:latin typeface="+mn-lt"/>
-                <a:ea typeface="+mn-ea"/>
-                <a:cs typeface="+mn-cs"/>
-              </a:rPr>
-              <a:t>Enum</a:t>
-            </a:r>
-            <a:r>
-              <a:rPr lang="en-US" sz="1200" b="0" i="0" kern="1200" dirty="0" smtClean="0">
-                <a:solidFill>
-                  <a:schemeClr val="tx1"/>
-                </a:solidFill>
-                <a:effectLst/>
-                <a:latin typeface="+mn-lt"/>
-                <a:ea typeface="+mn-ea"/>
-                <a:cs typeface="+mn-cs"/>
-              </a:rPr>
-              <a:t> members have numeric value associated with them and can be either </a:t>
-            </a:r>
-            <a:r>
-              <a:rPr lang="en-US" sz="1200" b="0" i="1" kern="1200" dirty="0" smtClean="0">
-                <a:solidFill>
-                  <a:schemeClr val="tx1"/>
-                </a:solidFill>
-                <a:effectLst/>
-                <a:latin typeface="+mn-lt"/>
-                <a:ea typeface="+mn-ea"/>
-                <a:cs typeface="+mn-cs"/>
-              </a:rPr>
-              <a:t>constant</a:t>
-            </a:r>
-            <a:r>
-              <a:rPr lang="en-US" sz="1200" b="0" i="0" kern="1200" dirty="0" smtClean="0">
-                <a:solidFill>
-                  <a:schemeClr val="tx1"/>
-                </a:solidFill>
-                <a:effectLst/>
-                <a:latin typeface="+mn-lt"/>
-                <a:ea typeface="+mn-ea"/>
-                <a:cs typeface="+mn-cs"/>
-              </a:rPr>
-              <a:t> or </a:t>
-            </a:r>
-            <a:r>
-              <a:rPr lang="en-US" sz="1200" b="0" i="1" kern="1200" dirty="0" smtClean="0">
-                <a:solidFill>
-                  <a:schemeClr val="tx1"/>
-                </a:solidFill>
-                <a:effectLst/>
-                <a:latin typeface="+mn-lt"/>
-                <a:ea typeface="+mn-ea"/>
-                <a:cs typeface="+mn-cs"/>
-              </a:rPr>
-              <a:t>computed</a:t>
-            </a:r>
-            <a:r>
-              <a:rPr lang="en-US" sz="1200" b="0" i="0" kern="1200" dirty="0" smtClean="0">
-                <a:solidFill>
-                  <a:schemeClr val="tx1"/>
-                </a:solidFill>
-                <a:effectLst/>
-                <a:latin typeface="+mn-lt"/>
-                <a:ea typeface="+mn-ea"/>
-                <a:cs typeface="+mn-cs"/>
-              </a:rPr>
-              <a:t>. An </a:t>
-            </a:r>
-            <a:r>
-              <a:rPr lang="en-US" sz="1200" b="0" i="0" kern="1200" dirty="0" err="1" smtClean="0">
-                <a:solidFill>
-                  <a:schemeClr val="tx1"/>
-                </a:solidFill>
-                <a:effectLst/>
-                <a:latin typeface="+mn-lt"/>
-                <a:ea typeface="+mn-ea"/>
-                <a:cs typeface="+mn-cs"/>
-              </a:rPr>
-              <a:t>enum</a:t>
-            </a:r>
-            <a:r>
-              <a:rPr lang="en-US" sz="1200" b="0" i="0" kern="1200" dirty="0" smtClean="0">
-                <a:solidFill>
-                  <a:schemeClr val="tx1"/>
-                </a:solidFill>
-                <a:effectLst/>
-                <a:latin typeface="+mn-lt"/>
-                <a:ea typeface="+mn-ea"/>
-                <a:cs typeface="+mn-cs"/>
-              </a:rPr>
-              <a:t> member is considered constant if:</a:t>
-            </a:r>
-          </a:p>
-          <a:p>
+              <a:t>A class inherits from another class using the ‘extends’ keyword. Child classes inherit all properties and methods except constructors from the parent class.</a:t>
+            </a:r>
+          </a:p>
+          <a:p>
+            <a:endParaRPr lang="en-US" dirty="0" smtClean="0"/>
+          </a:p>
+          <a:p>
+            <a:r>
+              <a:rPr lang="en-US" dirty="0" smtClean="0"/>
+              <a:t>class Shape { </a:t>
+            </a:r>
+          </a:p>
+          <a:p>
+            <a:r>
+              <a:rPr lang="en-US" dirty="0" smtClean="0"/>
+              <a:t>   </a:t>
+            </a:r>
+            <a:r>
+              <a:rPr lang="en-US" dirty="0" err="1" smtClean="0"/>
+              <a:t>Area:number</a:t>
+            </a:r>
+            <a:r>
+              <a:rPr lang="en-US" dirty="0" smtClean="0"/>
+              <a:t> </a:t>
+            </a:r>
+          </a:p>
+          <a:p>
+            <a:r>
+              <a:rPr lang="en-US" dirty="0" smtClean="0"/>
+              <a:t>   </a:t>
+            </a:r>
+          </a:p>
+          <a:p>
+            <a:r>
+              <a:rPr lang="en-US" dirty="0" smtClean="0"/>
+              <a:t>   constructor(</a:t>
+            </a:r>
+            <a:r>
+              <a:rPr lang="en-US" dirty="0" err="1" smtClean="0"/>
+              <a:t>a:number</a:t>
+            </a:r>
+            <a:r>
+              <a:rPr lang="en-US" dirty="0" smtClean="0"/>
+              <a:t>) { </a:t>
+            </a:r>
+          </a:p>
+          <a:p>
+            <a:r>
+              <a:rPr lang="en-US" dirty="0" smtClean="0"/>
+              <a:t>      </a:t>
+            </a:r>
+            <a:r>
+              <a:rPr lang="en-US" dirty="0" err="1" smtClean="0"/>
+              <a:t>this.Area</a:t>
+            </a:r>
+            <a:r>
+              <a:rPr lang="en-US" dirty="0" smtClean="0"/>
+              <a:t> = a </a:t>
+            </a:r>
+          </a:p>
+          <a:p>
+            <a:r>
+              <a:rPr lang="en-US" dirty="0" smtClean="0"/>
+              <a:t>   } </a:t>
+            </a:r>
+          </a:p>
+          <a:p>
+            <a:r>
+              <a:rPr lang="en-US" dirty="0" smtClean="0"/>
+              <a:t>} </a:t>
+            </a:r>
+          </a:p>
+          <a:p>
+            <a:endParaRPr lang="en-US" dirty="0" smtClean="0"/>
+          </a:p>
+          <a:p>
+            <a:r>
+              <a:rPr lang="en-US" dirty="0" smtClean="0"/>
+              <a:t>class Circle extends Shape { </a:t>
+            </a:r>
+          </a:p>
+          <a:p>
+            <a:r>
+              <a:rPr lang="en-US" dirty="0" smtClean="0"/>
+              <a:t>   </a:t>
+            </a:r>
+            <a:r>
+              <a:rPr lang="en-US" dirty="0" err="1" smtClean="0"/>
+              <a:t>disp</a:t>
+            </a:r>
+            <a:r>
+              <a:rPr lang="en-US" dirty="0" smtClean="0"/>
+              <a:t>():void { </a:t>
+            </a:r>
+          </a:p>
+          <a:p>
+            <a:r>
+              <a:rPr lang="en-US" dirty="0" smtClean="0"/>
+              <a:t>      console.log("Area of the circle:  "+</a:t>
+            </a:r>
+            <a:r>
+              <a:rPr lang="en-US" dirty="0" err="1" smtClean="0"/>
+              <a:t>this.Area</a:t>
+            </a:r>
+            <a:r>
+              <a:rPr lang="en-US" dirty="0" smtClean="0"/>
+              <a:t>) </a:t>
+            </a:r>
+          </a:p>
+          <a:p>
+            <a:r>
+              <a:rPr lang="en-US" dirty="0" smtClean="0"/>
+              <a:t>   } </a:t>
+            </a:r>
+          </a:p>
+          <a:p>
+            <a:r>
+              <a:rPr lang="en-US" dirty="0" smtClean="0"/>
+              <a:t>}</a:t>
+            </a:r>
+          </a:p>
+          <a:p>
+            <a:r>
+              <a:rPr lang="en-US" dirty="0" smtClean="0"/>
+              <a:t>  </a:t>
+            </a:r>
+          </a:p>
+          <a:p>
+            <a:r>
+              <a:rPr lang="en-US" dirty="0" err="1" smtClean="0"/>
+              <a:t>var</a:t>
+            </a:r>
+            <a:r>
+              <a:rPr lang="en-US" dirty="0" smtClean="0"/>
+              <a:t> </a:t>
+            </a:r>
+            <a:r>
+              <a:rPr lang="en-US" dirty="0" err="1" smtClean="0"/>
+              <a:t>obj</a:t>
+            </a:r>
+            <a:r>
+              <a:rPr lang="en-US" dirty="0" smtClean="0"/>
+              <a:t> = new Circle(223); </a:t>
+            </a:r>
+          </a:p>
+          <a:p>
+            <a:r>
+              <a:rPr lang="en-US" dirty="0" err="1" smtClean="0"/>
+              <a:t>obj.disp</a:t>
+            </a:r>
+            <a:r>
+              <a:rPr lang="en-US" dirty="0" smtClean="0"/>
+              <a:t>()</a:t>
+            </a:r>
+          </a:p>
+          <a:p>
+            <a:endParaRPr lang="en-US" dirty="0" smtClean="0"/>
+          </a:p>
+          <a:p>
+            <a:r>
+              <a:rPr lang="en-US" dirty="0" smtClean="0"/>
+              <a:t>Inheritance can be classified as −</a:t>
+            </a:r>
+          </a:p>
+          <a:p>
+            <a:endParaRPr lang="en-US" dirty="0" smtClean="0"/>
+          </a:p>
+          <a:p>
+            <a:r>
+              <a:rPr lang="en-US" dirty="0" smtClean="0"/>
+              <a:t>Single − Every class can at the most extend from one parent class</a:t>
+            </a:r>
+          </a:p>
+          <a:p>
+            <a:endParaRPr lang="en-US" dirty="0" smtClean="0"/>
+          </a:p>
+          <a:p>
+            <a:r>
+              <a:rPr lang="en-US" dirty="0" smtClean="0"/>
+              <a:t>Multiple − A class can inherit from multiple classes. </a:t>
+            </a:r>
+            <a:r>
+              <a:rPr lang="en-US" dirty="0" err="1" smtClean="0"/>
+              <a:t>TypeScript</a:t>
+            </a:r>
+            <a:r>
+              <a:rPr lang="en-US" dirty="0" smtClean="0"/>
+              <a:t> doesn’t support multiple inheritance.</a:t>
+            </a:r>
+          </a:p>
+          <a:p>
+            <a:endParaRPr lang="en-US" dirty="0" smtClean="0"/>
+          </a:p>
+          <a:p>
+            <a:r>
+              <a:rPr lang="en-US" dirty="0" smtClean="0"/>
+              <a:t>Multi-level − The following example shows how multi-level inheritance works.</a:t>
+            </a:r>
+          </a:p>
+          <a:p>
+            <a:endParaRPr lang="en-US" dirty="0" smtClean="0"/>
+          </a:p>
+          <a:p>
+            <a:r>
+              <a:rPr lang="en-US" dirty="0" smtClean="0"/>
+              <a:t>class Root { </a:t>
+            </a:r>
+          </a:p>
+          <a:p>
+            <a:r>
+              <a:rPr lang="en-US" dirty="0" smtClean="0"/>
+              <a:t>   </a:t>
+            </a:r>
+            <a:r>
+              <a:rPr lang="en-US" dirty="0" err="1" smtClean="0"/>
+              <a:t>str:string</a:t>
+            </a:r>
+            <a:r>
+              <a:rPr lang="en-US" dirty="0" smtClean="0"/>
+              <a:t>; </a:t>
+            </a:r>
+          </a:p>
+          <a:p>
+            <a:r>
+              <a:rPr lang="en-US" dirty="0" smtClean="0"/>
+              <a:t>} </a:t>
+            </a:r>
+          </a:p>
+          <a:p>
+            <a:endParaRPr lang="en-US" dirty="0" smtClean="0"/>
+          </a:p>
+          <a:p>
+            <a:r>
+              <a:rPr lang="en-US" dirty="0" smtClean="0"/>
+              <a:t>class Child extends Root {} </a:t>
+            </a:r>
+          </a:p>
+          <a:p>
+            <a:r>
+              <a:rPr lang="en-US" dirty="0" smtClean="0"/>
+              <a:t>class Leaf extends Child {} //indirectly inherits from Root by virtue of inheritance  </a:t>
+            </a:r>
+          </a:p>
+          <a:p>
+            <a:endParaRPr lang="en-US" dirty="0" smtClean="0"/>
+          </a:p>
+          <a:p>
+            <a:r>
+              <a:rPr lang="en-US" dirty="0" err="1" smtClean="0"/>
+              <a:t>var</a:t>
+            </a:r>
+            <a:r>
+              <a:rPr lang="en-US" dirty="0" smtClean="0"/>
+              <a:t> </a:t>
+            </a:r>
+            <a:r>
+              <a:rPr lang="en-US" dirty="0" err="1" smtClean="0"/>
+              <a:t>obj</a:t>
+            </a:r>
+            <a:r>
+              <a:rPr lang="en-US" dirty="0" smtClean="0"/>
+              <a:t> = new Leaf(); </a:t>
+            </a:r>
+          </a:p>
+          <a:p>
+            <a:r>
+              <a:rPr lang="en-US" dirty="0" err="1" smtClean="0"/>
+              <a:t>obj.str</a:t>
+            </a:r>
+            <a:r>
+              <a:rPr lang="en-US" dirty="0" smtClean="0"/>
+              <a:t> ="hello" </a:t>
+            </a:r>
+          </a:p>
+          <a:p>
+            <a:r>
+              <a:rPr lang="en-US" dirty="0" smtClean="0"/>
+              <a:t>console.log(</a:t>
+            </a:r>
+            <a:r>
+              <a:rPr lang="en-US" dirty="0" err="1" smtClean="0"/>
+              <a:t>obj.str</a:t>
+            </a:r>
+            <a:r>
+              <a:rPr lang="en-US" dirty="0" smtClean="0"/>
+              <a:t>)</a:t>
+            </a:r>
             <a:endParaRPr lang="en-US" dirty="0"/>
           </a:p>
         </p:txBody>
@@ -16307,7 +16275,7 @@
     </p:spTree>
     <p:extLst>
       <p:ext uri="{BB962C8B-B14F-4D97-AF65-F5344CB8AC3E}">
-        <p14:creationId xmlns:p14="http://schemas.microsoft.com/office/powerpoint/2010/main" val="146874385"/>
+        <p14:creationId xmlns:p14="http://schemas.microsoft.com/office/powerpoint/2010/main" val="2839584281"/>
       </p:ext>
     </p:extLst>
   </p:cSld>
@@ -16362,89 +16330,323 @@
           <a:lstStyle/>
           <a:p>
             <a:r>
-              <a:rPr lang="en-US" dirty="0" err="1" smtClean="0"/>
-              <a:t>TypeScript</a:t>
-            </a:r>
+              <a:rPr lang="en-US" sz="1200" b="0" i="0" kern="1200" dirty="0" err="1" smtClean="0">
+                <a:solidFill>
+                  <a:schemeClr val="tx1"/>
+                </a:solidFill>
+                <a:effectLst/>
+                <a:latin typeface="+mn-lt"/>
+                <a:ea typeface="+mn-ea"/>
+                <a:cs typeface="+mn-cs"/>
+              </a:rPr>
+              <a:t>Enums</a:t>
+            </a:r>
+            <a:r>
+              <a:rPr lang="en-US" sz="1200" b="0" i="0" kern="1200" dirty="0" smtClean="0">
+                <a:solidFill>
+                  <a:schemeClr val="tx1"/>
+                </a:solidFill>
+                <a:effectLst/>
+                <a:latin typeface="+mn-lt"/>
+                <a:ea typeface="+mn-ea"/>
+                <a:cs typeface="+mn-cs"/>
+              </a:rPr>
+              <a:t> allow us to define a set of named numeric constants. An </a:t>
+            </a:r>
+            <a:r>
+              <a:rPr lang="en-US" sz="1200" b="0" i="0" kern="1200" dirty="0" err="1" smtClean="0">
+                <a:solidFill>
+                  <a:schemeClr val="tx1"/>
+                </a:solidFill>
+                <a:effectLst/>
+                <a:latin typeface="+mn-lt"/>
+                <a:ea typeface="+mn-ea"/>
+                <a:cs typeface="+mn-cs"/>
+              </a:rPr>
+              <a:t>enum</a:t>
+            </a:r>
+            <a:r>
+              <a:rPr lang="en-US" sz="1200" b="0" i="0" kern="1200" dirty="0" smtClean="0">
+                <a:solidFill>
+                  <a:schemeClr val="tx1"/>
+                </a:solidFill>
+                <a:effectLst/>
+                <a:latin typeface="+mn-lt"/>
+                <a:ea typeface="+mn-ea"/>
+                <a:cs typeface="+mn-cs"/>
+              </a:rPr>
+              <a:t> can be defined using the </a:t>
+            </a:r>
+            <a:r>
+              <a:rPr lang="en-US" sz="1200" b="0" i="0" kern="1200" dirty="0" err="1" smtClean="0">
+                <a:solidFill>
+                  <a:schemeClr val="tx1"/>
+                </a:solidFill>
+                <a:effectLst/>
+                <a:latin typeface="+mn-lt"/>
+                <a:ea typeface="+mn-ea"/>
+                <a:cs typeface="+mn-cs"/>
+              </a:rPr>
+              <a:t>enum</a:t>
+            </a:r>
+            <a:r>
+              <a:rPr lang="en-US" sz="1200" b="0" i="0" kern="1200" dirty="0" smtClean="0">
+                <a:solidFill>
+                  <a:schemeClr val="tx1"/>
+                </a:solidFill>
+                <a:effectLst/>
+                <a:latin typeface="+mn-lt"/>
+                <a:ea typeface="+mn-ea"/>
+                <a:cs typeface="+mn-cs"/>
+              </a:rPr>
+              <a:t> keyword.</a:t>
+            </a:r>
+          </a:p>
+          <a:p>
             <a:r>
               <a:rPr lang="en-US" dirty="0" smtClean="0"/>
-              <a:t> is Object-Oriented JavaScript. Object Orientation is a software development</a:t>
-            </a:r>
-          </a:p>
-          <a:p>
-            <a:r>
+              <a:t/>
+            </a:r>
+            <a:br>
               <a:rPr lang="en-US" dirty="0" smtClean="0"/>
-              <a:t>paradigm that follows real-world modelling. Object Orientation considers a program as a</a:t>
-            </a:r>
-          </a:p>
-          <a:p>
-            <a:r>
-              <a:rPr lang="en-US" dirty="0" smtClean="0"/>
-              <a:t>collection of objects that communicate with each other via mechanism called methods.</a:t>
-            </a:r>
-          </a:p>
-          <a:p>
-            <a:r>
-              <a:rPr lang="en-US" dirty="0" err="1" smtClean="0"/>
-              <a:t>TypeScript</a:t>
-            </a:r>
-            <a:r>
-              <a:rPr lang="en-US" dirty="0" smtClean="0"/>
-              <a:t> supports these object oriented components too.</a:t>
-            </a:r>
-          </a:p>
-          <a:p>
-            <a:r>
-              <a:rPr lang="en-US" dirty="0" smtClean="0"/>
-              <a:t> Object: An object is a real time representation of any entity. According to Grady</a:t>
-            </a:r>
-          </a:p>
-          <a:p>
-            <a:r>
-              <a:rPr lang="en-US" dirty="0" smtClean="0"/>
-              <a:t>Brooch, every object must have three features:</a:t>
-            </a:r>
-          </a:p>
-          <a:p>
-            <a:r>
-              <a:rPr lang="en-US" dirty="0" smtClean="0"/>
-              <a:t>o State: described by the attributes of an object</a:t>
-            </a:r>
-          </a:p>
-          <a:p>
-            <a:r>
-              <a:rPr lang="en-US" dirty="0" smtClean="0"/>
-              <a:t>o Behavior: describes how the object will act</a:t>
-            </a:r>
-          </a:p>
-          <a:p>
-            <a:r>
-              <a:rPr lang="en-US" dirty="0" smtClean="0"/>
-              <a:t>o Identity: a unique value that distinguishes an object from a set of similar</a:t>
-            </a:r>
-          </a:p>
-          <a:p>
-            <a:r>
-              <a:rPr lang="en-US" dirty="0" smtClean="0"/>
-              <a:t>such objects.</a:t>
-            </a:r>
-          </a:p>
-          <a:p>
-            <a:r>
-              <a:rPr lang="en-US" dirty="0" smtClean="0"/>
-              <a:t> Class: A class in terms of OOP is a blueprint for creating objects. A class</a:t>
-            </a:r>
-          </a:p>
-          <a:p>
-            <a:r>
-              <a:rPr lang="en-US" dirty="0" smtClean="0"/>
-              <a:t>encapsulates data for the object.</a:t>
-            </a:r>
-          </a:p>
-          <a:p>
-            <a:r>
-              <a:rPr lang="en-US" dirty="0" smtClean="0"/>
-              <a:t> Method: Methods facilitate communication between objects</a:t>
-            </a:r>
+            </a:br>
+            <a:r>
+              <a:rPr lang="en-US" sz="1200" b="0" i="0" kern="1200" dirty="0" err="1" smtClean="0">
+                <a:solidFill>
+                  <a:schemeClr val="tx1"/>
+                </a:solidFill>
+                <a:effectLst/>
+                <a:latin typeface="+mn-lt"/>
+                <a:ea typeface="+mn-ea"/>
+                <a:cs typeface="+mn-cs"/>
+              </a:rPr>
+              <a:t>Enums</a:t>
+            </a:r>
+            <a:r>
+              <a:rPr lang="en-US" sz="1200" b="0" i="0" kern="1200" dirty="0" smtClean="0">
+                <a:solidFill>
+                  <a:schemeClr val="tx1"/>
+                </a:solidFill>
+                <a:effectLst/>
+                <a:latin typeface="+mn-lt"/>
+                <a:ea typeface="+mn-ea"/>
+                <a:cs typeface="+mn-cs"/>
+              </a:rPr>
+              <a:t> are real objects that exist at runtime. One reason is the ability to maintain a reverse mapping from </a:t>
+            </a:r>
+            <a:r>
+              <a:rPr lang="en-US" sz="1200" b="0" i="0" kern="1200" dirty="0" err="1" smtClean="0">
+                <a:solidFill>
+                  <a:schemeClr val="tx1"/>
+                </a:solidFill>
+                <a:effectLst/>
+                <a:latin typeface="+mn-lt"/>
+                <a:ea typeface="+mn-ea"/>
+                <a:cs typeface="+mn-cs"/>
+              </a:rPr>
+              <a:t>enum</a:t>
+            </a:r>
+            <a:r>
+              <a:rPr lang="en-US" sz="1200" b="0" i="0" kern="1200" dirty="0" smtClean="0">
+                <a:solidFill>
+                  <a:schemeClr val="tx1"/>
+                </a:solidFill>
+                <a:effectLst/>
+                <a:latin typeface="+mn-lt"/>
+                <a:ea typeface="+mn-ea"/>
+                <a:cs typeface="+mn-cs"/>
+              </a:rPr>
+              <a:t> values to </a:t>
+            </a:r>
+            <a:r>
+              <a:rPr lang="en-US" sz="1200" b="0" i="0" kern="1200" dirty="0" err="1" smtClean="0">
+                <a:solidFill>
+                  <a:schemeClr val="tx1"/>
+                </a:solidFill>
+                <a:effectLst/>
+                <a:latin typeface="+mn-lt"/>
+                <a:ea typeface="+mn-ea"/>
+                <a:cs typeface="+mn-cs"/>
+              </a:rPr>
+              <a:t>enum</a:t>
+            </a:r>
+            <a:r>
+              <a:rPr lang="en-US" sz="1200" b="0" i="0" kern="1200" dirty="0" smtClean="0">
+                <a:solidFill>
+                  <a:schemeClr val="tx1"/>
+                </a:solidFill>
+                <a:effectLst/>
+                <a:latin typeface="+mn-lt"/>
+                <a:ea typeface="+mn-ea"/>
+                <a:cs typeface="+mn-cs"/>
+              </a:rPr>
+              <a:t> names.</a:t>
+            </a:r>
+          </a:p>
+          <a:p>
+            <a:endParaRPr lang="en-US" b="1" dirty="0" smtClean="0">
+              <a:effectLst/>
+            </a:endParaRPr>
+          </a:p>
+          <a:p>
+            <a:r>
+              <a:rPr lang="en-US" sz="1200" b="0" i="0" kern="1200" dirty="0" smtClean="0">
+                <a:solidFill>
+                  <a:schemeClr val="tx1"/>
+                </a:solidFill>
+                <a:effectLst/>
+                <a:latin typeface="+mn-lt"/>
+                <a:ea typeface="+mn-ea"/>
+                <a:cs typeface="+mn-cs"/>
+              </a:rPr>
+              <a:t>The body of an </a:t>
+            </a:r>
+            <a:r>
+              <a:rPr lang="en-US" sz="1200" b="0" i="0" kern="1200" dirty="0" err="1" smtClean="0">
+                <a:solidFill>
+                  <a:schemeClr val="tx1"/>
+                </a:solidFill>
+                <a:effectLst/>
+                <a:latin typeface="+mn-lt"/>
+                <a:ea typeface="+mn-ea"/>
+                <a:cs typeface="+mn-cs"/>
+              </a:rPr>
+              <a:t>enum</a:t>
+            </a:r>
+            <a:r>
+              <a:rPr lang="en-US" sz="1200" b="0" i="0" kern="1200" dirty="0" smtClean="0">
+                <a:solidFill>
+                  <a:schemeClr val="tx1"/>
+                </a:solidFill>
+                <a:effectLst/>
+                <a:latin typeface="+mn-lt"/>
+                <a:ea typeface="+mn-ea"/>
+                <a:cs typeface="+mn-cs"/>
+              </a:rPr>
+              <a:t> consists of zero or more </a:t>
+            </a:r>
+            <a:r>
+              <a:rPr lang="en-US" sz="1200" b="0" i="0" kern="1200" dirty="0" err="1" smtClean="0">
+                <a:solidFill>
+                  <a:schemeClr val="tx1"/>
+                </a:solidFill>
+                <a:effectLst/>
+                <a:latin typeface="+mn-lt"/>
+                <a:ea typeface="+mn-ea"/>
+                <a:cs typeface="+mn-cs"/>
+              </a:rPr>
+              <a:t>enum</a:t>
+            </a:r>
+            <a:r>
+              <a:rPr lang="en-US" sz="1200" b="0" i="0" kern="1200" dirty="0" smtClean="0">
+                <a:solidFill>
+                  <a:schemeClr val="tx1"/>
+                </a:solidFill>
+                <a:effectLst/>
+                <a:latin typeface="+mn-lt"/>
+                <a:ea typeface="+mn-ea"/>
+                <a:cs typeface="+mn-cs"/>
+              </a:rPr>
+              <a:t> members. </a:t>
+            </a:r>
+            <a:r>
+              <a:rPr lang="en-US" sz="1200" b="0" i="0" kern="1200" dirty="0" err="1" smtClean="0">
+                <a:solidFill>
+                  <a:schemeClr val="tx1"/>
+                </a:solidFill>
+                <a:effectLst/>
+                <a:latin typeface="+mn-lt"/>
+                <a:ea typeface="+mn-ea"/>
+                <a:cs typeface="+mn-cs"/>
+              </a:rPr>
+              <a:t>Enum</a:t>
+            </a:r>
+            <a:r>
+              <a:rPr lang="en-US" sz="1200" b="0" i="0" kern="1200" dirty="0" smtClean="0">
+                <a:solidFill>
+                  <a:schemeClr val="tx1"/>
+                </a:solidFill>
+                <a:effectLst/>
+                <a:latin typeface="+mn-lt"/>
+                <a:ea typeface="+mn-ea"/>
+                <a:cs typeface="+mn-cs"/>
+              </a:rPr>
+              <a:t> members have numeric value associated with them and can be either </a:t>
+            </a:r>
+            <a:r>
+              <a:rPr lang="en-US" sz="1200" b="0" i="1" kern="1200" dirty="0" smtClean="0">
+                <a:solidFill>
+                  <a:schemeClr val="tx1"/>
+                </a:solidFill>
+                <a:effectLst/>
+                <a:latin typeface="+mn-lt"/>
+                <a:ea typeface="+mn-ea"/>
+                <a:cs typeface="+mn-cs"/>
+              </a:rPr>
+              <a:t>constant</a:t>
+            </a:r>
+            <a:r>
+              <a:rPr lang="en-US" sz="1200" b="0" i="0" kern="1200" dirty="0" smtClean="0">
+                <a:solidFill>
+                  <a:schemeClr val="tx1"/>
+                </a:solidFill>
+                <a:effectLst/>
+                <a:latin typeface="+mn-lt"/>
+                <a:ea typeface="+mn-ea"/>
+                <a:cs typeface="+mn-cs"/>
+              </a:rPr>
+              <a:t> or </a:t>
+            </a:r>
+            <a:r>
+              <a:rPr lang="en-US" sz="1200" b="0" i="1" kern="1200" dirty="0" smtClean="0">
+                <a:solidFill>
+                  <a:schemeClr val="tx1"/>
+                </a:solidFill>
+                <a:effectLst/>
+                <a:latin typeface="+mn-lt"/>
+                <a:ea typeface="+mn-ea"/>
+                <a:cs typeface="+mn-cs"/>
+              </a:rPr>
+              <a:t>computed</a:t>
+            </a:r>
+            <a:r>
+              <a:rPr lang="en-US" sz="1200" b="0" i="0" kern="1200" dirty="0" smtClean="0">
+                <a:solidFill>
+                  <a:schemeClr val="tx1"/>
+                </a:solidFill>
+                <a:effectLst/>
+                <a:latin typeface="+mn-lt"/>
+                <a:ea typeface="+mn-ea"/>
+                <a:cs typeface="+mn-cs"/>
+              </a:rPr>
+              <a:t>. An </a:t>
+            </a:r>
+            <a:r>
+              <a:rPr lang="en-US" sz="1200" b="0" i="0" kern="1200" dirty="0" err="1" smtClean="0">
+                <a:solidFill>
+                  <a:schemeClr val="tx1"/>
+                </a:solidFill>
+                <a:effectLst/>
+                <a:latin typeface="+mn-lt"/>
+                <a:ea typeface="+mn-ea"/>
+                <a:cs typeface="+mn-cs"/>
+              </a:rPr>
+              <a:t>enum</a:t>
+            </a:r>
+            <a:r>
+              <a:rPr lang="en-US" sz="1200" b="0" i="0" kern="1200" dirty="0" smtClean="0">
+                <a:solidFill>
+                  <a:schemeClr val="tx1"/>
+                </a:solidFill>
+                <a:effectLst/>
+                <a:latin typeface="+mn-lt"/>
+                <a:ea typeface="+mn-ea"/>
+                <a:cs typeface="+mn-cs"/>
+              </a:rPr>
+              <a:t> member is considered constant if:</a:t>
+            </a:r>
+          </a:p>
+          <a:p>
             <a:endParaRPr lang="en-US" dirty="0"/>
           </a:p>
         </p:txBody>
@@ -16475,7 +16677,7 @@
     </p:spTree>
     <p:extLst>
       <p:ext uri="{BB962C8B-B14F-4D97-AF65-F5344CB8AC3E}">
-        <p14:creationId xmlns:p14="http://schemas.microsoft.com/office/powerpoint/2010/main" val="3064487552"/>
+        <p14:creationId xmlns:p14="http://schemas.microsoft.com/office/powerpoint/2010/main" val="146874385"/>
       </p:ext>
     </p:extLst>
   </p:cSld>
@@ -16529,29 +16731,90 @@
           <a:bodyPr/>
           <a:lstStyle/>
           <a:p>
-            <a:pPr marL="0" marR="0" indent="0" algn="l" defTabSz="914400" rtl="0" eaLnBrk="1" fontAlgn="auto" latinLnBrk="0" hangingPunct="1">
-              <a:lnSpc>
-                <a:spcPct val="100000"/>
-              </a:lnSpc>
-              <a:spcBef>
-                <a:spcPts val="0"/>
-              </a:spcBef>
-              <a:spcAft>
-                <a:spcPts val="0"/>
-              </a:spcAft>
-              <a:buClrTx/>
-              <a:buSzTx/>
-              <a:buFontTx/>
-              <a:buNone/>
-              <a:tabLst/>
-              <a:defRPr/>
-            </a:pPr>
+            <a:r>
+              <a:rPr lang="en-US" dirty="0" err="1" smtClean="0"/>
+              <a:t>TypeScript</a:t>
+            </a:r>
             <a:r>
               <a:rPr lang="en-US" dirty="0" smtClean="0"/>
-              <a:t>Generics are a way to create functions and classes that define a behavior that can be reused across many different types while retaining the full information about that type.</a:t>
-            </a:r>
-          </a:p>
-          <a:p>
+              <a:t> is Object-Oriented JavaScript. Object Orientation is a software development</a:t>
+            </a:r>
+          </a:p>
+          <a:p>
+            <a:r>
+              <a:rPr lang="en-US" dirty="0" smtClean="0"/>
+              <a:t>paradigm that follows real-world modelling. Object Orientation considers a program as a</a:t>
+            </a:r>
+          </a:p>
+          <a:p>
+            <a:r>
+              <a:rPr lang="en-US" dirty="0" smtClean="0"/>
+              <a:t>collection of objects that communicate with each other via mechanism called methods.</a:t>
+            </a:r>
+          </a:p>
+          <a:p>
+            <a:r>
+              <a:rPr lang="en-US" dirty="0" err="1" smtClean="0"/>
+              <a:t>TypeScript</a:t>
+            </a:r>
+            <a:r>
+              <a:rPr lang="en-US" dirty="0" smtClean="0"/>
+              <a:t> supports these object oriented components too.</a:t>
+            </a:r>
+          </a:p>
+          <a:p>
+            <a:r>
+              <a:rPr lang="en-US" dirty="0" smtClean="0"/>
+              <a:t> Object: An object is a real time representation of any entity. According to Grady</a:t>
+            </a:r>
+          </a:p>
+          <a:p>
+            <a:r>
+              <a:rPr lang="en-US" dirty="0" smtClean="0"/>
+              <a:t>Brooch, every object must have three features:</a:t>
+            </a:r>
+          </a:p>
+          <a:p>
+            <a:r>
+              <a:rPr lang="en-US" dirty="0" smtClean="0"/>
+              <a:t>o State: described by the attributes of an object</a:t>
+            </a:r>
+          </a:p>
+          <a:p>
+            <a:r>
+              <a:rPr lang="en-US" dirty="0" smtClean="0"/>
+              <a:t>o Behavior: describes how the object will act</a:t>
+            </a:r>
+          </a:p>
+          <a:p>
+            <a:r>
+              <a:rPr lang="en-US" dirty="0" smtClean="0"/>
+              <a:t>o Identity: a unique value that distinguishes an object from a set of similar</a:t>
+            </a:r>
+          </a:p>
+          <a:p>
+            <a:r>
+              <a:rPr lang="en-US" dirty="0" smtClean="0"/>
+              <a:t>such objects.</a:t>
+            </a:r>
+          </a:p>
+          <a:p>
+            <a:r>
+              <a:rPr lang="en-US" dirty="0" smtClean="0"/>
+              <a:t> Class: A class in terms of OOP is a blueprint for creating objects. A class</a:t>
+            </a:r>
+          </a:p>
+          <a:p>
+            <a:r>
+              <a:rPr lang="en-US" dirty="0" smtClean="0"/>
+              <a:t>encapsulates data for the object.</a:t>
+            </a:r>
+          </a:p>
+          <a:p>
+            <a:r>
+              <a:rPr lang="en-US" dirty="0" smtClean="0"/>
+              <a:t> Method: Methods facilitate communication between objects</a:t>
+            </a:r>
             <a:endParaRPr lang="en-US" dirty="0"/>
           </a:p>
         </p:txBody>
@@ -16582,7 +16845,7 @@
     </p:spTree>
     <p:extLst>
       <p:ext uri="{BB962C8B-B14F-4D97-AF65-F5344CB8AC3E}">
-        <p14:creationId xmlns:p14="http://schemas.microsoft.com/office/powerpoint/2010/main" val="2256630549"/>
+        <p14:creationId xmlns:p14="http://schemas.microsoft.com/office/powerpoint/2010/main" val="3064487552"/>
       </p:ext>
     </p:extLst>
   </p:cSld>
@@ -16636,139 +16899,29 @@
           <a:bodyPr/>
           <a:lstStyle/>
           <a:p>
-            <a:r>
-              <a:rPr lang="en-US" sz="1200" b="0" i="0" kern="1200" dirty="0" smtClean="0">
-                <a:solidFill>
-                  <a:schemeClr val="tx1"/>
-                </a:solidFill>
-                <a:effectLst/>
-                <a:latin typeface="+mn-lt"/>
-                <a:ea typeface="+mn-ea"/>
-                <a:cs typeface="+mn-cs"/>
-              </a:rPr>
-              <a:t>As your </a:t>
-            </a:r>
-            <a:r>
-              <a:rPr lang="en-US" sz="1200" b="0" i="0" kern="1200" dirty="0" err="1" smtClean="0">
-                <a:solidFill>
-                  <a:schemeClr val="tx1"/>
-                </a:solidFill>
-                <a:effectLst/>
-                <a:latin typeface="+mn-lt"/>
-                <a:ea typeface="+mn-ea"/>
-                <a:cs typeface="+mn-cs"/>
-              </a:rPr>
-              <a:t>TypeScript</a:t>
-            </a:r>
-            <a:r>
-              <a:rPr lang="en-US" sz="1200" b="0" i="0" kern="1200" dirty="0" smtClean="0">
-                <a:solidFill>
-                  <a:schemeClr val="tx1"/>
-                </a:solidFill>
-                <a:effectLst/>
-                <a:latin typeface="+mn-lt"/>
-                <a:ea typeface="+mn-ea"/>
-                <a:cs typeface="+mn-cs"/>
-              </a:rPr>
-              <a:t> code base grows it becomes important to organize classes and interfaces for better maintainability. </a:t>
-            </a:r>
-            <a:r>
-              <a:rPr lang="en-US" sz="1200" b="0" i="0" kern="1200" dirty="0" err="1" smtClean="0">
-                <a:solidFill>
-                  <a:schemeClr val="tx1"/>
-                </a:solidFill>
-                <a:effectLst/>
-                <a:latin typeface="+mn-lt"/>
-                <a:ea typeface="+mn-ea"/>
-                <a:cs typeface="+mn-cs"/>
-              </a:rPr>
-              <a:t>TypeScript</a:t>
-            </a:r>
-            <a:r>
-              <a:rPr lang="en-US" sz="1200" b="0" i="0" kern="1200" dirty="0" smtClean="0">
-                <a:solidFill>
-                  <a:schemeClr val="tx1"/>
-                </a:solidFill>
-                <a:effectLst/>
-                <a:latin typeface="+mn-lt"/>
-                <a:ea typeface="+mn-ea"/>
-                <a:cs typeface="+mn-cs"/>
-              </a:rPr>
-              <a:t> modules allow you to do just that. A module is a container for your code that helps you organize your code in a neat way. Conceptually you may find them similar to .NET namespaces. Let's see how to create a module.</a:t>
-            </a:r>
-          </a:p>
-          <a:p>
-            <a:endParaRPr lang="en-US" sz="1200" b="0" i="0" kern="1200" dirty="0" smtClean="0">
-              <a:solidFill>
-                <a:schemeClr val="tx1"/>
-              </a:solidFill>
-              <a:effectLst/>
-              <a:latin typeface="+mn-lt"/>
-              <a:ea typeface="+mn-ea"/>
-              <a:cs typeface="+mn-cs"/>
-            </a:endParaRPr>
-          </a:p>
-          <a:p>
-            <a:r>
-              <a:rPr lang="en-US" sz="1200" b="0" i="0" kern="1200" dirty="0" smtClean="0">
-                <a:solidFill>
-                  <a:schemeClr val="tx1"/>
-                </a:solidFill>
-                <a:effectLst/>
-                <a:latin typeface="+mn-lt"/>
-                <a:ea typeface="+mn-ea"/>
-                <a:cs typeface="+mn-cs"/>
-              </a:rPr>
-              <a:t>The above code defines Company module using the module keyword. The Company module contains three classes - Employee, </a:t>
-            </a:r>
-            <a:r>
-              <a:rPr lang="en-US" sz="1200" b="0" i="0" kern="1200" dirty="0" err="1" smtClean="0">
-                <a:solidFill>
-                  <a:schemeClr val="tx1"/>
-                </a:solidFill>
-                <a:effectLst/>
-                <a:latin typeface="+mn-lt"/>
-                <a:ea typeface="+mn-ea"/>
-                <a:cs typeface="+mn-cs"/>
-              </a:rPr>
-              <a:t>EmployeeHelper</a:t>
-            </a:r>
-            <a:r>
-              <a:rPr lang="en-US" sz="1200" b="0" i="0" kern="1200" dirty="0" smtClean="0">
-                <a:solidFill>
-                  <a:schemeClr val="tx1"/>
-                </a:solidFill>
-                <a:effectLst/>
-                <a:latin typeface="+mn-lt"/>
-                <a:ea typeface="+mn-ea"/>
-                <a:cs typeface="+mn-cs"/>
-              </a:rPr>
-              <a:t> and Customer. By default all the classes from a module are accessible only within that module. That is why it is alright to access the Employee class inside the </a:t>
-            </a:r>
-            <a:r>
-              <a:rPr lang="en-US" sz="1200" b="0" i="0" kern="1200" dirty="0" err="1" smtClean="0">
-                <a:solidFill>
-                  <a:schemeClr val="tx1"/>
-                </a:solidFill>
-                <a:effectLst/>
-                <a:latin typeface="+mn-lt"/>
-                <a:ea typeface="+mn-ea"/>
-                <a:cs typeface="+mn-cs"/>
-              </a:rPr>
-              <a:t>EmployeeHelper</a:t>
-            </a:r>
-            <a:r>
-              <a:rPr lang="en-US" sz="1200" b="0" i="0" kern="1200" dirty="0" smtClean="0">
-                <a:solidFill>
-                  <a:schemeClr val="tx1"/>
-                </a:solidFill>
-                <a:effectLst/>
-                <a:latin typeface="+mn-lt"/>
-                <a:ea typeface="+mn-ea"/>
-                <a:cs typeface="+mn-cs"/>
-              </a:rPr>
-              <a:t> class from the same module but you can't access the Employee class from outside the Company module. If you wish to access a class from a module from the outside world you need to "export" it as in the case of the Customer class.</a:t>
-            </a:r>
+            <a:pPr marL="0" marR="0" indent="0" algn="l" defTabSz="914400" rtl="0" eaLnBrk="1" fontAlgn="auto" latinLnBrk="0" hangingPunct="1">
+              <a:lnSpc>
+                <a:spcPct val="100000"/>
+              </a:lnSpc>
+              <a:spcBef>
+                <a:spcPts val="0"/>
+              </a:spcBef>
+              <a:spcAft>
+                <a:spcPts val="0"/>
+              </a:spcAft>
+              <a:buClrTx/>
+              <a:buSzTx/>
+              <a:buFontTx/>
+              <a:buNone/>
+              <a:tabLst/>
+              <a:defRPr/>
+            </a:pPr>
+            <a:r>
+              <a:rPr lang="en-US" dirty="0" smtClean="0"/>
+              <a:t>Generics are a way to create functions and classes that define a behavior that can be reused across many different types while retaining the full information about that type.</a:t>
+            </a:r>
+          </a:p>
+          <a:p>
             <a:endParaRPr lang="en-US" dirty="0"/>
           </a:p>
         </p:txBody>
@@ -16791,6 +16944,223 @@
             <a:fld id="{EB1F9770-9DD8-43BC-8316-D00590B68DF7}" type="slidenum">
               <a:rPr lang="en-US" smtClean="0"/>
               <a:t>17</a:t>
+            </a:fld>
+            <a:endParaRPr lang="en-US"/>
+          </a:p>
+        </p:txBody>
+      </p:sp>
+    </p:spTree>
+    <p:extLst>
+      <p:ext uri="{BB962C8B-B14F-4D97-AF65-F5344CB8AC3E}">
+        <p14:creationId xmlns:p14="http://schemas.microsoft.com/office/powerpoint/2010/main" val="2256630549"/>
+      </p:ext>
+    </p:extLst>
+  </p:cSld>
+  <p:clrMapOvr>
+    <a:masterClrMapping/>
+  </p:clrMapOvr>
+</p:notes>
+</file>
+
+<file path=ppt/notesSlides/notesSlide15.xml><?xml version="1.0" encoding="utf-8"?>
+<p:notes xmlns:a="http://schemas.openxmlformats.org/drawingml/2006/main" xmlns:r="http://schemas.openxmlformats.org/officeDocument/2006/relationships" xmlns:p="http://schemas.openxmlformats.org/presentationml/2006/main">
+  <p:cSld>
+    <p:spTree>
+      <p:nvGrpSpPr>
+        <p:cNvPr id="1" name=""/>
+        <p:cNvGrpSpPr/>
+        <p:nvPr/>
+      </p:nvGrpSpPr>
+      <p:grpSpPr>
+        <a:xfrm>
+          <a:off x="0" y="0"/>
+          <a:ext cx="0" cy="0"/>
+          <a:chOff x="0" y="0"/>
+          <a:chExt cx="0" cy="0"/>
+        </a:xfrm>
+      </p:grpSpPr>
+      <p:sp>
+        <p:nvSpPr>
+          <p:cNvPr id="2" name="Slide Image Placeholder 1"/>
+          <p:cNvSpPr>
+            <a:spLocks noGrp="1" noRot="1" noChangeAspect="1"/>
+          </p:cNvSpPr>
+          <p:nvPr>
+            <p:ph type="sldImg"/>
+          </p:nvPr>
+        </p:nvSpPr>
+        <p:spPr/>
+      </p:sp>
+      <p:sp>
+        <p:nvSpPr>
+          <p:cNvPr id="3" name="Notes Placeholder 2"/>
+          <p:cNvSpPr>
+            <a:spLocks noGrp="1"/>
+          </p:cNvSpPr>
+          <p:nvPr>
+            <p:ph type="body" idx="1"/>
+          </p:nvPr>
+        </p:nvSpPr>
+        <p:spPr/>
+        <p:txBody>
+          <a:bodyPr/>
+          <a:lstStyle/>
+          <a:p>
+            <a:r>
+              <a:rPr lang="en-US" sz="1200" b="0" i="0" kern="1200" dirty="0" smtClean="0">
+                <a:solidFill>
+                  <a:schemeClr val="tx1"/>
+                </a:solidFill>
+                <a:effectLst/>
+                <a:latin typeface="+mn-lt"/>
+                <a:ea typeface="+mn-ea"/>
+                <a:cs typeface="+mn-cs"/>
+              </a:rPr>
+              <a:t>As your </a:t>
+            </a:r>
+            <a:r>
+              <a:rPr lang="en-US" sz="1200" b="0" i="0" kern="1200" dirty="0" err="1" smtClean="0">
+                <a:solidFill>
+                  <a:schemeClr val="tx1"/>
+                </a:solidFill>
+                <a:effectLst/>
+                <a:latin typeface="+mn-lt"/>
+                <a:ea typeface="+mn-ea"/>
+                <a:cs typeface="+mn-cs"/>
+              </a:rPr>
+              <a:t>TypeScript</a:t>
+            </a:r>
+            <a:r>
+              <a:rPr lang="en-US" sz="1200" b="0" i="0" kern="1200" dirty="0" smtClean="0">
+                <a:solidFill>
+                  <a:schemeClr val="tx1"/>
+                </a:solidFill>
+                <a:effectLst/>
+                <a:latin typeface="+mn-lt"/>
+                <a:ea typeface="+mn-ea"/>
+                <a:cs typeface="+mn-cs"/>
+              </a:rPr>
+              <a:t> code base grows it becomes important to organize classes and interfaces for better maintainability. </a:t>
+            </a:r>
+            <a:r>
+              <a:rPr lang="en-US" sz="1200" b="0" i="0" kern="1200" dirty="0" err="1" smtClean="0">
+                <a:solidFill>
+                  <a:schemeClr val="tx1"/>
+                </a:solidFill>
+                <a:effectLst/>
+                <a:latin typeface="+mn-lt"/>
+                <a:ea typeface="+mn-ea"/>
+                <a:cs typeface="+mn-cs"/>
+              </a:rPr>
+              <a:t>TypeScript</a:t>
+            </a:r>
+            <a:r>
+              <a:rPr lang="en-US" sz="1200" b="0" i="0" kern="1200" dirty="0" smtClean="0">
+                <a:solidFill>
+                  <a:schemeClr val="tx1"/>
+                </a:solidFill>
+                <a:effectLst/>
+                <a:latin typeface="+mn-lt"/>
+                <a:ea typeface="+mn-ea"/>
+                <a:cs typeface="+mn-cs"/>
+              </a:rPr>
+              <a:t> modules allow you to do just that. A module is a container for your code that helps you organize your code in a neat way. Conceptually you may find them similar to .NET namespaces. Let's see how to create a module.</a:t>
+            </a:r>
+          </a:p>
+          <a:p>
+            <a:endParaRPr lang="en-US" sz="1200" b="0" i="0" kern="1200" dirty="0" smtClean="0">
+              <a:solidFill>
+                <a:schemeClr val="tx1"/>
+              </a:solidFill>
+              <a:effectLst/>
+              <a:latin typeface="+mn-lt"/>
+              <a:ea typeface="+mn-ea"/>
+              <a:cs typeface="+mn-cs"/>
+            </a:endParaRPr>
+          </a:p>
+          <a:p>
+            <a:r>
+              <a:rPr lang="en-US" sz="1200" b="0" i="0" kern="1200" dirty="0" smtClean="0">
+                <a:solidFill>
+                  <a:schemeClr val="tx1"/>
+                </a:solidFill>
+                <a:effectLst/>
+                <a:latin typeface="+mn-lt"/>
+                <a:ea typeface="+mn-ea"/>
+                <a:cs typeface="+mn-cs"/>
+              </a:rPr>
+              <a:t>The above code defines Company module using the module keyword. The Company module contains three classes - Employee, </a:t>
+            </a:r>
+            <a:r>
+              <a:rPr lang="en-US" sz="1200" b="0" i="0" kern="1200" dirty="0" err="1" smtClean="0">
+                <a:solidFill>
+                  <a:schemeClr val="tx1"/>
+                </a:solidFill>
+                <a:effectLst/>
+                <a:latin typeface="+mn-lt"/>
+                <a:ea typeface="+mn-ea"/>
+                <a:cs typeface="+mn-cs"/>
+              </a:rPr>
+              <a:t>EmployeeHelper</a:t>
+            </a:r>
+            <a:r>
+              <a:rPr lang="en-US" sz="1200" b="0" i="0" kern="1200" dirty="0" smtClean="0">
+                <a:solidFill>
+                  <a:schemeClr val="tx1"/>
+                </a:solidFill>
+                <a:effectLst/>
+                <a:latin typeface="+mn-lt"/>
+                <a:ea typeface="+mn-ea"/>
+                <a:cs typeface="+mn-cs"/>
+              </a:rPr>
+              <a:t> and Customer. By default all the classes from a module are accessible only within that module. That is why it is alright to access the Employee class inside the </a:t>
+            </a:r>
+            <a:r>
+              <a:rPr lang="en-US" sz="1200" b="0" i="0" kern="1200" dirty="0" err="1" smtClean="0">
+                <a:solidFill>
+                  <a:schemeClr val="tx1"/>
+                </a:solidFill>
+                <a:effectLst/>
+                <a:latin typeface="+mn-lt"/>
+                <a:ea typeface="+mn-ea"/>
+                <a:cs typeface="+mn-cs"/>
+              </a:rPr>
+              <a:t>EmployeeHelper</a:t>
+            </a:r>
+            <a:r>
+              <a:rPr lang="en-US" sz="1200" b="0" i="0" kern="1200" dirty="0" smtClean="0">
+                <a:solidFill>
+                  <a:schemeClr val="tx1"/>
+                </a:solidFill>
+                <a:effectLst/>
+                <a:latin typeface="+mn-lt"/>
+                <a:ea typeface="+mn-ea"/>
+                <a:cs typeface="+mn-cs"/>
+              </a:rPr>
+              <a:t> class from the same module but you can't access the Employee class from outside the Company module. If you wish to access a class from a module from the outside world you need to "export" it as in the case of the Customer class.</a:t>
+            </a:r>
+            <a:endParaRPr lang="en-US" dirty="0"/>
+          </a:p>
+        </p:txBody>
+      </p:sp>
+      <p:sp>
+        <p:nvSpPr>
+          <p:cNvPr id="4" name="Slide Number Placeholder 3"/>
+          <p:cNvSpPr>
+            <a:spLocks noGrp="1"/>
+          </p:cNvSpPr>
+          <p:nvPr>
+            <p:ph type="sldNum" sz="quarter" idx="10"/>
+          </p:nvPr>
+        </p:nvSpPr>
+        <p:spPr/>
+        <p:txBody>
+          <a:bodyPr/>
+          <a:lstStyle/>
+          <a:p>
+            <a:fld id="{EB1F9770-9DD8-43BC-8316-D00590B68DF7}" type="slidenum">
+              <a:rPr lang="en-US" smtClean="0"/>
+              <a:t>18</a:t>
             </a:fld>
             <a:endParaRPr lang="en-US"/>
           </a:p>
@@ -18701,6 +19071,20 @@
                 <a:ea typeface="+mn-ea"/>
                 <a:cs typeface="+mn-cs"/>
               </a:rPr>
+              <a:t>It often helps in providing a standard structure that the deriving classes would follow.</a:t>
+            </a:r>
+          </a:p>
+          <a:p>
+            <a:r>
+              <a:rPr lang="en-US" sz="1200" b="0" i="0" kern="1200" dirty="0" smtClean="0">
+                <a:solidFill>
+                  <a:schemeClr val="tx1"/>
+                </a:solidFill>
+                <a:effectLst/>
+                <a:latin typeface="+mn-lt"/>
+                <a:ea typeface="+mn-ea"/>
+                <a:cs typeface="+mn-cs"/>
+              </a:rPr>
               <a:t>The following code defines an interface and a function that takes a parameter that adheres to that interface. A new object is then created and passed to the function.</a:t>
             </a:r>
           </a:p>
@@ -18804,6 +19188,15 @@
             <a:r>
               <a:rPr lang="en-US" dirty="0" smtClean="0"/>
               <a:t>https://www.bricewilson.net/2015/09/27/typescript-interfaces/</a:t>
+            </a:r>
+          </a:p>
+          <a:p>
+            <a:endParaRPr lang="en-US" dirty="0" smtClean="0"/>
+          </a:p>
+          <a:p>
+            <a:r>
+              <a:rPr lang="en-US" dirty="0" smtClean="0"/>
+              <a:t>https://www.tutorialspoint.com/typescript/typescript_interfaces.htm</a:t>
             </a:r>
             <a:endParaRPr lang="en-US" dirty="0"/>
           </a:p>
@@ -19492,7 +19885,7 @@
             <a:fld id="{5923F103-BC34-4FE4-A40E-EDDEECFDA5D0}" type="datetimeFigureOut">
               <a:rPr lang="en-US" smtClean="0"/>
               <a:pPr/>
-              <a:t>7/18/2017</a:t>
+              <a:t>7/20/2017</a:t>
             </a:fld>
             <a:endParaRPr lang="en-US" dirty="0"/>
           </a:p>
@@ -20618,7 +21011,7 @@
           <a:p>
             <a:fld id="{2BE451C3-0FF4-47C4-B829-773ADF60F88C}" type="datetimeFigureOut">
               <a:rPr lang="en-US" smtClean="0"/>
-              <a:t>7/18/2017</a:t>
+              <a:t>7/20/2017</a:t>
             </a:fld>
             <a:endParaRPr lang="en-US" dirty="0"/>
           </a:p>
@@ -21631,7 +22024,7 @@
           <a:p>
             <a:fld id="{2BE451C3-0FF4-47C4-B829-773ADF60F88C}" type="datetimeFigureOut">
               <a:rPr lang="en-US" smtClean="0"/>
-              <a:t>7/18/2017</a:t>
+              <a:t>7/20/2017</a:t>
             </a:fld>
             <a:endParaRPr lang="en-US" dirty="0"/>
           </a:p>
@@ -22803,7 +23196,7 @@
           <a:p>
             <a:fld id="{2BE451C3-0FF4-47C4-B829-773ADF60F88C}" type="datetimeFigureOut">
               <a:rPr lang="en-US" smtClean="0"/>
-              <a:t>7/18/2017</a:t>
+              <a:t>7/20/2017</a:t>
             </a:fld>
             <a:endParaRPr lang="en-US" dirty="0"/>
           </a:p>
@@ -23866,7 +24259,7 @@
           <a:p>
             <a:fld id="{2BE451C3-0FF4-47C4-B829-773ADF60F88C}" type="datetimeFigureOut">
               <a:rPr lang="en-US" smtClean="0"/>
-              <a:t>7/18/2017</a:t>
+              <a:t>7/20/2017</a:t>
             </a:fld>
             <a:endParaRPr lang="en-US" dirty="0"/>
           </a:p>
@@ -24514,7 +24907,7 @@
           <a:p>
             <a:fld id="{2BE451C3-0FF4-47C4-B829-773ADF60F88C}" type="datetimeFigureOut">
               <a:rPr lang="en-US" smtClean="0"/>
-              <a:t>7/18/2017</a:t>
+              <a:t>7/20/2017</a:t>
             </a:fld>
             <a:endParaRPr lang="en-US" dirty="0"/>
           </a:p>
@@ -25363,7 +25756,7 @@
           <a:p>
             <a:fld id="{2BE451C3-0FF4-47C4-B829-773ADF60F88C}" type="datetimeFigureOut">
               <a:rPr lang="en-US" smtClean="0"/>
-              <a:t>7/18/2017</a:t>
+              <a:t>7/20/2017</a:t>
             </a:fld>
             <a:endParaRPr lang="en-US" dirty="0"/>
           </a:p>
@@ -25540,7 +25933,7 @@
           <a:p>
             <a:fld id="{53086D93-FCAC-47E0-A2EE-787E62CA814C}" type="datetimeFigureOut">
               <a:rPr lang="en-US" smtClean="0"/>
-              <a:t>7/18/2017</a:t>
+              <a:t>7/20/2017</a:t>
             </a:fld>
             <a:endParaRPr lang="en-US" dirty="0"/>
           </a:p>
@@ -26539,7 +26932,7 @@
           <a:p>
             <a:fld id="{CDA879A6-0FD0-4734-A311-86BFCA472E6E}" type="datetimeFigureOut">
               <a:rPr lang="en-US" smtClean="0"/>
-              <a:t>7/18/2017</a:t>
+              <a:t>7/20/2017</a:t>
             </a:fld>
             <a:endParaRPr lang="en-US" dirty="0"/>
           </a:p>
@@ -26751,7 +27144,7 @@
           <a:p>
             <a:fld id="{19C9CA7B-DFD4-44B5-8C60-D14B8CD1FB59}" type="datetimeFigureOut">
               <a:rPr lang="en-US" smtClean="0"/>
-              <a:t>7/18/2017</a:t>
+              <a:t>7/20/2017</a:t>
             </a:fld>
             <a:endParaRPr lang="en-US" dirty="0"/>
           </a:p>
@@ -27814,7 +28207,7 @@
           <a:p>
             <a:fld id="{F34E6425-0181-43F2-84FC-787E803FD2F8}" type="datetimeFigureOut">
               <a:rPr lang="en-US" smtClean="0"/>
-              <a:t>7/18/2017</a:t>
+              <a:t>7/20/2017</a:t>
             </a:fld>
             <a:endParaRPr lang="en-US" dirty="0"/>
           </a:p>
@@ -28092,7 +28485,7 @@
           <a:p>
             <a:fld id="{3BDB8791-F1B0-41E7-B7FD-A781E65C4266}" type="datetimeFigureOut">
               <a:rPr lang="en-US" smtClean="0"/>
-              <a:t>7/18/2017</a:t>
+              <a:t>7/20/2017</a:t>
             </a:fld>
             <a:endParaRPr lang="en-US" dirty="0"/>
           </a:p>
@@ -28480,7 +28873,7 @@
           <a:p>
             <a:fld id="{5FDD63B2-E120-4ED8-B27B-C685F510A5FE}" type="datetimeFigureOut">
               <a:rPr lang="en-US" smtClean="0"/>
-              <a:t>7/18/2017</a:t>
+              <a:t>7/20/2017</a:t>
             </a:fld>
             <a:endParaRPr lang="en-US" dirty="0"/>
           </a:p>
@@ -28604,7 +28997,7 @@
           <a:p>
             <a:fld id="{7AA18ACC-A947-437B-A130-35BD54FDF1E9}" type="datetimeFigureOut">
               <a:rPr lang="en-US" smtClean="0"/>
-              <a:t>7/18/2017</a:t>
+              <a:t>7/20/2017</a:t>
             </a:fld>
             <a:endParaRPr lang="en-US" dirty="0"/>
           </a:p>
@@ -28700,7 +29093,7 @@
           <a:p>
             <a:fld id="{7C8D7E02-BCB8-4D50-A234-369438C08659}" type="datetimeFigureOut">
               <a:rPr lang="en-US" smtClean="0"/>
-              <a:t>7/18/2017</a:t>
+              <a:t>7/20/2017</a:t>
             </a:fld>
             <a:endParaRPr lang="en-US" dirty="0"/>
           </a:p>
@@ -29815,7 +30208,7 @@
           <a:p>
             <a:fld id="{76E86A4C-8E40-4F87-A4F0-01A0687C5742}" type="datetimeFigureOut">
               <a:rPr lang="en-US" smtClean="0"/>
-              <a:t>7/18/2017</a:t>
+              <a:t>7/20/2017</a:t>
             </a:fld>
             <a:endParaRPr lang="en-US" dirty="0"/>
           </a:p>
@@ -30954,7 +31347,7 @@
           <a:p>
             <a:fld id="{35E72C73-2D91-4E12-BA25-F0AA0C03599B}" type="datetimeFigureOut">
               <a:rPr lang="en-US" smtClean="0"/>
-              <a:t>7/18/2017</a:t>
+              <a:t>7/20/2017</a:t>
             </a:fld>
             <a:endParaRPr lang="en-US" dirty="0"/>
           </a:p>
@@ -31983,7 +32376,7 @@
           <a:p>
             <a:fld id="{2BE451C3-0FF4-47C4-B829-773ADF60F88C}" type="datetimeFigureOut">
               <a:rPr lang="en-US" smtClean="0"/>
-              <a:t>7/18/2017</a:t>
+              <a:t>7/20/2017</a:t>
             </a:fld>
             <a:endParaRPr lang="en-US" dirty="0"/>
           </a:p>
@@ -32895,7 +33288,7 @@
               <a:buNone/>
             </a:pPr>
             <a:r>
-              <a:rPr lang="en-US" dirty="0"/>
+              <a:rPr lang="en-US" dirty="0" smtClean="0"/>
               <a:t>interface Book {  </a:t>
             </a:r>
           </a:p>
@@ -32904,7 +33297,7 @@
               <a:buNone/>
             </a:pPr>
             <a:r>
-              <a:rPr lang="en-US" dirty="0"/>
+              <a:rPr lang="en-US" dirty="0" smtClean="0"/>
               <a:t>    title: string;</a:t>
             </a:r>
           </a:p>
@@ -32913,7 +33306,7 @@
               <a:buNone/>
             </a:pPr>
             <a:r>
-              <a:rPr lang="en-US" dirty="0"/>
+              <a:rPr lang="en-US" dirty="0" smtClean="0"/>
               <a:t>    author: string;</a:t>
             </a:r>
           </a:p>
@@ -32922,7 +33315,7 @@
               <a:buNone/>
             </a:pPr>
             <a:r>
-              <a:rPr lang="en-US" dirty="0"/>
+              <a:rPr lang="en-US" dirty="0" smtClean="0"/>
               <a:t>}</a:t>
             </a:r>
           </a:p>
@@ -32930,30 +33323,30 @@
             <a:pPr marL="0" indent="0">
               <a:buNone/>
             </a:pPr>
-            <a:endParaRPr lang="en-US" dirty="0"/>
+            <a:endParaRPr lang="en-US" dirty="0" smtClean="0"/>
           </a:p>
           <a:p>
             <a:pPr marL="0" indent="0">
               <a:buNone/>
             </a:pPr>
             <a:r>
-              <a:rPr lang="en-US" dirty="0"/>
+              <a:rPr lang="en-US" dirty="0" smtClean="0"/>
               <a:t>function </a:t>
             </a:r>
             <a:r>
-              <a:rPr lang="en-US" dirty="0" err="1"/>
+              <a:rPr lang="en-US" dirty="0" err="1" smtClean="0"/>
               <a:t>printTitle</a:t>
             </a:r>
             <a:r>
-              <a:rPr lang="en-US" dirty="0"/>
+              <a:rPr lang="en-US" dirty="0" smtClean="0"/>
               <a:t>(</a:t>
             </a:r>
             <a:r>
-              <a:rPr lang="en-US" dirty="0" err="1"/>
+              <a:rPr lang="en-US" dirty="0" err="1" smtClean="0"/>
               <a:t>myBook</a:t>
             </a:r>
             <a:r>
-              <a:rPr lang="en-US" dirty="0"/>
+              <a:rPr lang="en-US" dirty="0" smtClean="0"/>
               <a:t>: Book) {  </a:t>
             </a:r>
           </a:p>
@@ -32962,15 +33355,15 @@
               <a:buNone/>
             </a:pPr>
             <a:r>
-              <a:rPr lang="en-US" dirty="0"/>
+              <a:rPr lang="en-US" dirty="0" smtClean="0"/>
               <a:t>    console.log(</a:t>
             </a:r>
             <a:r>
-              <a:rPr lang="en-US" dirty="0" err="1"/>
+              <a:rPr lang="en-US" dirty="0" err="1" smtClean="0"/>
               <a:t>myBook.title</a:t>
             </a:r>
             <a:r>
-              <a:rPr lang="en-US" dirty="0"/>
+              <a:rPr lang="en-US" dirty="0" smtClean="0"/>
               <a:t>);</a:t>
             </a:r>
           </a:p>
@@ -33277,17 +33670,7 @@
             </a:pPr>
             <a:r>
               <a:rPr lang="en-US" dirty="0" smtClean="0"/>
-              <a:t>    author: “Sintu Singh",</a:t>
-            </a:r>
-          </a:p>
-          <a:p>
-            <a:pPr marL="0" indent="0">
-              <a:buFont typeface="Wingdings 3" charset="2"/>
-              <a:buNone/>
-            </a:pPr>
-            <a:r>
-              <a:rPr lang="en-US" dirty="0" smtClean="0"/>
-              <a:t>    pages: 20</a:t>
+              <a:t>    author: “Sintu Singh</a:t>
             </a:r>
           </a:p>
           <a:p>
@@ -33622,12 +34005,8 @@
           <a:lstStyle/>
           <a:p>
             <a:r>
-              <a:rPr lang="en-US" dirty="0" err="1"/>
-              <a:t>E</a:t>
-            </a:r>
-            <a:r>
-              <a:rPr lang="en-US" dirty="0" err="1" smtClean="0"/>
-              <a:t>nums</a:t>
+              <a:rPr lang="en-US" dirty="0" smtClean="0"/>
+              <a:t>Class Inheritance</a:t>
             </a:r>
             <a:endParaRPr lang="en-US" dirty="0"/>
           </a:p>
@@ -33648,75 +34027,57 @@
           <a:bodyPr/>
           <a:lstStyle/>
           <a:p>
-            <a:pPr marL="0" indent="0">
-              <a:buNone/>
-            </a:pPr>
+            <a:r>
+              <a:rPr lang="en-US" dirty="0"/>
+              <a:t>Single − Every class can at the most extend from one parent class</a:t>
+            </a:r>
+          </a:p>
+          <a:p>
+            <a:endParaRPr lang="en-US" dirty="0"/>
+          </a:p>
+          <a:p>
+            <a:r>
+              <a:rPr lang="en-US" dirty="0"/>
+              <a:t>Multiple − A class can inherit from multiple classes. </a:t>
+            </a:r>
             <a:r>
               <a:rPr lang="en-US" dirty="0" err="1"/>
-              <a:t>enum</a:t>
+              <a:t>TypeScript</a:t>
             </a:r>
             <a:r>
               <a:rPr lang="en-US" dirty="0"/>
-              <a:t> Direction {</a:t>
-            </a:r>
-          </a:p>
-          <a:p>
-            <a:pPr marL="0" indent="0">
-              <a:buNone/>
-            </a:pPr>
+              <a:t> doesn’t support multiple inheritance.</a:t>
+            </a:r>
+          </a:p>
+          <a:p>
+            <a:endParaRPr lang="en-US" dirty="0"/>
+          </a:p>
+          <a:p>
             <a:r>
               <a:rPr lang="en-US" dirty="0"/>
-              <a:t>    Up = 1,</a:t>
-            </a:r>
-          </a:p>
-          <a:p>
-            <a:pPr marL="0" indent="0">
-              <a:buNone/>
-            </a:pPr>
+              <a:t>Multi-level − The following example shows how multi-level inheritance works.</a:t>
+            </a:r>
+          </a:p>
+          <a:p>
+            <a:r>
+              <a:rPr lang="en-US" dirty="0" err="1" smtClean="0"/>
+              <a:t>TypeScript</a:t>
+            </a:r>
+            <a:r>
+              <a:rPr lang="en-US" dirty="0" smtClean="0"/>
+              <a:t> </a:t>
+            </a:r>
             <a:r>
               <a:rPr lang="en-US" dirty="0"/>
-              <a:t>    Down,</a:t>
-            </a:r>
-          </a:p>
-          <a:p>
-            <a:pPr marL="0" indent="0">
-              <a:buNone/>
-            </a:pPr>
-            <a:r>
-              <a:rPr lang="en-US" dirty="0"/>
-              <a:t>    Left,</a:t>
-            </a:r>
-          </a:p>
-          <a:p>
-            <a:pPr marL="0" indent="0">
-              <a:buNone/>
-            </a:pPr>
-            <a:r>
-              <a:rPr lang="en-US" dirty="0"/>
-              <a:t>    Right</a:t>
-            </a:r>
-          </a:p>
-          <a:p>
-            <a:pPr marL="0" indent="0">
-              <a:buNone/>
-            </a:pPr>
-            <a:r>
-              <a:rPr lang="en-US" dirty="0"/>
-              <a:t>}</a:t>
-            </a:r>
-          </a:p>
-          <a:p>
-            <a:pPr marL="0" indent="0">
-              <a:buNone/>
-            </a:pPr>
-            <a:endParaRPr lang="en-US" dirty="0"/>
+              <a:t>doesn’t support multiple inheritance.</a:t>
+            </a:r>
           </a:p>
         </p:txBody>
       </p:sp>
     </p:spTree>
     <p:extLst>
       <p:ext uri="{BB962C8B-B14F-4D97-AF65-F5344CB8AC3E}">
-        <p14:creationId xmlns:p14="http://schemas.microsoft.com/office/powerpoint/2010/main" val="2746619172"/>
+        <p14:creationId xmlns:p14="http://schemas.microsoft.com/office/powerpoint/2010/main" val="2426639334"/>
       </p:ext>
     </p:extLst>
   </p:cSld>
@@ -33767,12 +34128,13 @@
           <a:p>
             <a:r>
               <a:rPr lang="en-US" dirty="0" err="1"/>
-              <a:t>TypeScript</a:t>
-            </a:r>
-            <a:r>
-              <a:rPr lang="en-US" dirty="0"/>
-              <a:t> and Object Orientation</a:t>
-            </a:r>
+              <a:t>E</a:t>
+            </a:r>
+            <a:r>
+              <a:rPr lang="en-US" dirty="0" err="1" smtClean="0"/>
+              <a:t>nums</a:t>
+            </a:r>
+            <a:endParaRPr lang="en-US" dirty="0"/>
           </a:p>
         </p:txBody>
       </p:sp>
@@ -33788,17 +34150,19 @@
         </p:nvSpPr>
         <p:spPr/>
         <p:txBody>
-          <a:bodyPr>
-            <a:normAutofit lnSpcReduction="10000"/>
-          </a:bodyPr>
+          <a:bodyPr/>
           <a:lstStyle/>
           <a:p>
             <a:pPr marL="0" indent="0">
               <a:buNone/>
             </a:pPr>
             <a:r>
+              <a:rPr lang="en-US" dirty="0" err="1"/>
+              <a:t>enum</a:t>
+            </a:r>
+            <a:r>
               <a:rPr lang="en-US" dirty="0"/>
-              <a:t>class Greeting</a:t>
+              <a:t> Direction {</a:t>
             </a:r>
           </a:p>
           <a:p>
@@ -33807,7 +34171,7 @@
             </a:pPr>
             <a:r>
               <a:rPr lang="en-US" dirty="0"/>
-              <a:t>{</a:t>
+              <a:t>    Up = 1,</a:t>
             </a:r>
           </a:p>
           <a:p>
@@ -33815,12 +34179,8 @@
               <a:buNone/>
             </a:pPr>
             <a:r>
-              <a:rPr lang="en-US" dirty="0" smtClean="0"/>
-              <a:t>	 </a:t>
-            </a:r>
-            <a:r>
               <a:rPr lang="en-US" dirty="0"/>
-              <a:t>greet():void</a:t>
+              <a:t>    Down,</a:t>
             </a:r>
           </a:p>
           <a:p>
@@ -33829,25 +34189,16 @@
             </a:pPr>
             <a:r>
               <a:rPr lang="en-US" dirty="0"/>
-              <a:t> </a:t>
-            </a:r>
-            <a:r>
-              <a:rPr lang="en-US" dirty="0" smtClean="0"/>
-              <a:t>	{</a:t>
-            </a:r>
-            <a:endParaRPr lang="en-US" dirty="0"/>
+              <a:t>    Left,</a:t>
+            </a:r>
           </a:p>
           <a:p>
             <a:pPr marL="0" indent="0">
               <a:buNone/>
             </a:pPr>
             <a:r>
-              <a:rPr lang="en-US" dirty="0" smtClean="0"/>
-              <a:t>		 </a:t>
-            </a:r>
-            <a:r>
               <a:rPr lang="en-US" dirty="0"/>
-              <a:t>console.log("Hello World!!!")</a:t>
+              <a:t>    Right</a:t>
             </a:r>
           </a:p>
           <a:p>
@@ -33855,55 +34206,8 @@
               <a:buNone/>
             </a:pPr>
             <a:r>
-              <a:rPr lang="en-US" dirty="0" smtClean="0"/>
-              <a:t>	 </a:t>
-            </a:r>
-            <a:r>
               <a:rPr lang="en-US" dirty="0"/>
               <a:t>}</a:t>
-            </a:r>
-          </a:p>
-          <a:p>
-            <a:pPr marL="0" indent="0">
-              <a:buNone/>
-            </a:pPr>
-            <a:r>
-              <a:rPr lang="en-US" dirty="0"/>
-              <a:t> }</a:t>
-            </a:r>
-          </a:p>
-          <a:p>
-            <a:pPr marL="0" indent="0">
-              <a:buNone/>
-            </a:pPr>
-            <a:r>
-              <a:rPr lang="en-US" dirty="0" err="1"/>
-              <a:t>var</a:t>
-            </a:r>
-            <a:r>
-              <a:rPr lang="en-US" dirty="0"/>
-              <a:t> </a:t>
-            </a:r>
-            <a:r>
-              <a:rPr lang="en-US" dirty="0" err="1"/>
-              <a:t>obj</a:t>
-            </a:r>
-            <a:r>
-              <a:rPr lang="en-US" dirty="0"/>
-              <a:t>= new Greeting();</a:t>
-            </a:r>
-          </a:p>
-          <a:p>
-            <a:pPr marL="0" indent="0">
-              <a:buNone/>
-            </a:pPr>
-            <a:r>
-              <a:rPr lang="en-US" dirty="0" err="1"/>
-              <a:t>obj.greet</a:t>
-            </a:r>
-            <a:r>
-              <a:rPr lang="en-US" dirty="0"/>
-              <a:t>();</a:t>
             </a:r>
           </a:p>
           <a:p>
@@ -33917,7 +34221,7 @@
     </p:spTree>
     <p:extLst>
       <p:ext uri="{BB962C8B-B14F-4D97-AF65-F5344CB8AC3E}">
-        <p14:creationId xmlns:p14="http://schemas.microsoft.com/office/powerpoint/2010/main" val="490067033"/>
+        <p14:creationId xmlns:p14="http://schemas.microsoft.com/office/powerpoint/2010/main" val="2746619172"/>
       </p:ext>
     </p:extLst>
   </p:cSld>
@@ -33967,10 +34271,13 @@
           <a:lstStyle/>
           <a:p>
             <a:r>
-              <a:rPr lang="en-US" dirty="0" smtClean="0"/>
-              <a:t>Generics</a:t>
-            </a:r>
-            <a:endParaRPr lang="en-US" dirty="0"/>
+              <a:rPr lang="en-US" dirty="0" err="1"/>
+              <a:t>TypeScript</a:t>
+            </a:r>
+            <a:r>
+              <a:rPr lang="en-US" dirty="0"/>
+              <a:t> and Object Orientation</a:t>
+            </a:r>
           </a:p>
         </p:txBody>
       </p:sp>
@@ -33986,35 +34293,17 @@
         </p:nvSpPr>
         <p:spPr/>
         <p:txBody>
-          <a:bodyPr/>
+          <a:bodyPr>
+            <a:normAutofit lnSpcReduction="10000"/>
+          </a:bodyPr>
           <a:lstStyle/>
           <a:p>
             <a:pPr marL="0" indent="0">
               <a:buNone/>
             </a:pPr>
             <a:r>
-              <a:rPr lang="fr-FR" dirty="0" err="1">
-                <a:latin typeface="Calibri" panose="020F0502020204030204" pitchFamily="34" charset="0"/>
-              </a:rPr>
-              <a:t>function</a:t>
-            </a:r>
-            <a:r>
-              <a:rPr lang="fr-FR" dirty="0">
-                <a:latin typeface="Calibri" panose="020F0502020204030204" pitchFamily="34" charset="0"/>
-              </a:rPr>
-              <a:t> </a:t>
-            </a:r>
-            <a:r>
-              <a:rPr lang="fr-FR" dirty="0" err="1">
-                <a:latin typeface="Calibri" panose="020F0502020204030204" pitchFamily="34" charset="0"/>
-              </a:rPr>
-              <a:t>testGen</a:t>
-            </a:r>
-            <a:r>
-              <a:rPr lang="fr-FR" dirty="0">
-                <a:latin typeface="Calibri" panose="020F0502020204030204" pitchFamily="34" charset="0"/>
-              </a:rPr>
-              <a:t> &lt;T&gt; (value: T): T {</a:t>
+              <a:rPr lang="en-US" dirty="0"/>
+              <a:t>class Greeting</a:t>
             </a:r>
           </a:p>
           <a:p>
@@ -34022,10 +34311,8 @@
               <a:buNone/>
             </a:pPr>
             <a:r>
-              <a:rPr lang="fr-FR" dirty="0">
-                <a:latin typeface="Calibri" panose="020F0502020204030204" pitchFamily="34" charset="0"/>
-              </a:rPr>
-              <a:t>	return value;</a:t>
+              <a:rPr lang="en-US" dirty="0"/>
+              <a:t>{</a:t>
             </a:r>
           </a:p>
           <a:p>
@@ -34033,35 +34320,39 @@
               <a:buNone/>
             </a:pPr>
             <a:r>
-              <a:rPr lang="fr-FR" dirty="0">
-                <a:latin typeface="Calibri" panose="020F0502020204030204" pitchFamily="34" charset="0"/>
-              </a:rPr>
-              <a:t>}</a:t>
+              <a:rPr lang="en-US" dirty="0" smtClean="0"/>
+              <a:t>	 </a:t>
+            </a:r>
+            <a:r>
+              <a:rPr lang="en-US" dirty="0"/>
+              <a:t>greet():void</a:t>
             </a:r>
           </a:p>
           <a:p>
             <a:pPr marL="0" indent="0">
               <a:buNone/>
             </a:pPr>
-            <a:endParaRPr lang="fr-FR" dirty="0">
-              <a:latin typeface="Calibri" panose="020F0502020204030204" pitchFamily="34" charset="0"/>
-            </a:endParaRPr>
+            <a:r>
+              <a:rPr lang="en-US" dirty="0"/>
+              <a:t> </a:t>
+            </a:r>
+            <a:r>
+              <a:rPr lang="en-US" dirty="0" smtClean="0"/>
+              <a:t>	{</a:t>
+            </a:r>
+            <a:endParaRPr lang="en-US" dirty="0"/>
           </a:p>
           <a:p>
             <a:pPr marL="0" indent="0">
               <a:buNone/>
             </a:pPr>
             <a:r>
-              <a:rPr lang="fr-FR" dirty="0" err="1">
-                <a:latin typeface="Calibri" panose="020F0502020204030204" pitchFamily="34" charset="0"/>
-              </a:rPr>
-              <a:t>testGen</a:t>
-            </a:r>
-            <a:r>
-              <a:rPr lang="fr-FR" dirty="0">
-                <a:latin typeface="Calibri" panose="020F0502020204030204" pitchFamily="34" charset="0"/>
-              </a:rPr>
-              <a:t>(2);</a:t>
+              <a:rPr lang="en-US" dirty="0" smtClean="0"/>
+              <a:t>		 </a:t>
+            </a:r>
+            <a:r>
+              <a:rPr lang="en-US" dirty="0"/>
+              <a:t>console.log("Hello World!!!")</a:t>
             </a:r>
           </a:p>
           <a:p>
@@ -34069,39 +34360,69 @@
               <a:buNone/>
             </a:pPr>
             <a:r>
-              <a:rPr lang="fr-FR" dirty="0" err="1">
-                <a:latin typeface="Calibri" panose="020F0502020204030204" pitchFamily="34" charset="0"/>
-              </a:rPr>
-              <a:t>testGen</a:t>
-            </a:r>
-            <a:r>
-              <a:rPr lang="fr-FR" dirty="0">
-                <a:latin typeface="Calibri" panose="020F0502020204030204" pitchFamily="34" charset="0"/>
-              </a:rPr>
-              <a:t>('</a:t>
-            </a:r>
-            <a:r>
-              <a:rPr lang="fr-FR" dirty="0" err="1">
-                <a:latin typeface="Calibri" panose="020F0502020204030204" pitchFamily="34" charset="0"/>
-              </a:rPr>
-              <a:t>ww</a:t>
-            </a:r>
-            <a:r>
-              <a:rPr lang="fr-FR" dirty="0">
-                <a:latin typeface="Calibri" panose="020F0502020204030204" pitchFamily="34" charset="0"/>
-              </a:rPr>
-              <a:t>');</a:t>
-            </a:r>
-            <a:endParaRPr lang="en-US" dirty="0">
-              <a:latin typeface="Calibri" panose="020F0502020204030204" pitchFamily="34" charset="0"/>
-            </a:endParaRPr>
+              <a:rPr lang="en-US" dirty="0" smtClean="0"/>
+              <a:t>	 </a:t>
+            </a:r>
+            <a:r>
+              <a:rPr lang="en-US" dirty="0"/>
+              <a:t>}</a:t>
+            </a:r>
+          </a:p>
+          <a:p>
+            <a:pPr marL="0" indent="0">
+              <a:buNone/>
+            </a:pPr>
+            <a:r>
+              <a:rPr lang="en-US" dirty="0"/>
+              <a:t> }</a:t>
+            </a:r>
+          </a:p>
+          <a:p>
+            <a:pPr marL="0" indent="0">
+              <a:buNone/>
+            </a:pPr>
+            <a:r>
+              <a:rPr lang="en-US" dirty="0" err="1"/>
+              <a:t>var</a:t>
+            </a:r>
+            <a:r>
+              <a:rPr lang="en-US" dirty="0"/>
+              <a:t> </a:t>
+            </a:r>
+            <a:r>
+              <a:rPr lang="en-US" dirty="0" err="1"/>
+              <a:t>obj</a:t>
+            </a:r>
+            <a:r>
+              <a:rPr lang="en-US" dirty="0"/>
+              <a:t>= new Greeting();</a:t>
+            </a:r>
+          </a:p>
+          <a:p>
+            <a:pPr marL="0" indent="0">
+              <a:buNone/>
+            </a:pPr>
+            <a:r>
+              <a:rPr lang="en-US" dirty="0" err="1"/>
+              <a:t>obj.greet</a:t>
+            </a:r>
+            <a:r>
+              <a:rPr lang="en-US" dirty="0"/>
+              <a:t>();</a:t>
+            </a:r>
+          </a:p>
+          <a:p>
+            <a:pPr marL="0" indent="0">
+              <a:buNone/>
+            </a:pPr>
+            <a:endParaRPr lang="en-US" dirty="0"/>
           </a:p>
         </p:txBody>
       </p:sp>
     </p:spTree>
     <p:extLst>
       <p:ext uri="{BB962C8B-B14F-4D97-AF65-F5344CB8AC3E}">
-        <p14:creationId xmlns:p14="http://schemas.microsoft.com/office/powerpoint/2010/main" val="2086024808"/>
+        <p14:creationId xmlns:p14="http://schemas.microsoft.com/office/powerpoint/2010/main" val="490067033"/>
       </p:ext>
     </p:extLst>
   </p:cSld>
@@ -34152,6 +34473,190 @@
           <a:p>
             <a:r>
               <a:rPr lang="en-US" dirty="0" smtClean="0"/>
+              <a:t>Generics</a:t>
+            </a:r>
+            <a:endParaRPr lang="en-US" dirty="0"/>
+          </a:p>
+        </p:txBody>
+      </p:sp>
+      <p:sp>
+        <p:nvSpPr>
+          <p:cNvPr id="3" name="Content Placeholder 2"/>
+          <p:cNvSpPr>
+            <a:spLocks noGrp="1"/>
+          </p:cNvSpPr>
+          <p:nvPr>
+            <p:ph idx="1"/>
+          </p:nvPr>
+        </p:nvSpPr>
+        <p:spPr/>
+        <p:txBody>
+          <a:bodyPr/>
+          <a:lstStyle/>
+          <a:p>
+            <a:pPr marL="0" indent="0">
+              <a:buNone/>
+            </a:pPr>
+            <a:r>
+              <a:rPr lang="fr-FR" dirty="0" err="1">
+                <a:latin typeface="Calibri" panose="020F0502020204030204" pitchFamily="34" charset="0"/>
+              </a:rPr>
+              <a:t>function</a:t>
+            </a:r>
+            <a:r>
+              <a:rPr lang="fr-FR" dirty="0">
+                <a:latin typeface="Calibri" panose="020F0502020204030204" pitchFamily="34" charset="0"/>
+              </a:rPr>
+              <a:t> </a:t>
+            </a:r>
+            <a:r>
+              <a:rPr lang="fr-FR" dirty="0" err="1">
+                <a:latin typeface="Calibri" panose="020F0502020204030204" pitchFamily="34" charset="0"/>
+              </a:rPr>
+              <a:t>testGen</a:t>
+            </a:r>
+            <a:r>
+              <a:rPr lang="fr-FR" dirty="0">
+                <a:latin typeface="Calibri" panose="020F0502020204030204" pitchFamily="34" charset="0"/>
+              </a:rPr>
+              <a:t> &lt;T&gt; (value: T): T {</a:t>
+            </a:r>
+          </a:p>
+          <a:p>
+            <a:pPr marL="0" indent="0">
+              <a:buNone/>
+            </a:pPr>
+            <a:r>
+              <a:rPr lang="fr-FR" dirty="0">
+                <a:latin typeface="Calibri" panose="020F0502020204030204" pitchFamily="34" charset="0"/>
+              </a:rPr>
+              <a:t>	return value;</a:t>
+            </a:r>
+          </a:p>
+          <a:p>
+            <a:pPr marL="0" indent="0">
+              <a:buNone/>
+            </a:pPr>
+            <a:r>
+              <a:rPr lang="fr-FR" dirty="0">
+                <a:latin typeface="Calibri" panose="020F0502020204030204" pitchFamily="34" charset="0"/>
+              </a:rPr>
+              <a:t>}</a:t>
+            </a:r>
+          </a:p>
+          <a:p>
+            <a:pPr marL="0" indent="0">
+              <a:buNone/>
+            </a:pPr>
+            <a:endParaRPr lang="fr-FR" dirty="0">
+              <a:latin typeface="Calibri" panose="020F0502020204030204" pitchFamily="34" charset="0"/>
+            </a:endParaRPr>
+          </a:p>
+          <a:p>
+            <a:pPr marL="0" indent="0">
+              <a:buNone/>
+            </a:pPr>
+            <a:r>
+              <a:rPr lang="fr-FR" dirty="0" err="1">
+                <a:latin typeface="Calibri" panose="020F0502020204030204" pitchFamily="34" charset="0"/>
+              </a:rPr>
+              <a:t>testGen</a:t>
+            </a:r>
+            <a:r>
+              <a:rPr lang="fr-FR" dirty="0">
+                <a:latin typeface="Calibri" panose="020F0502020204030204" pitchFamily="34" charset="0"/>
+              </a:rPr>
+              <a:t>(2);</a:t>
+            </a:r>
+          </a:p>
+          <a:p>
+            <a:pPr marL="0" indent="0">
+              <a:buNone/>
+            </a:pPr>
+            <a:r>
+              <a:rPr lang="fr-FR" dirty="0" err="1">
+                <a:latin typeface="Calibri" panose="020F0502020204030204" pitchFamily="34" charset="0"/>
+              </a:rPr>
+              <a:t>testGen</a:t>
+            </a:r>
+            <a:r>
+              <a:rPr lang="fr-FR" dirty="0">
+                <a:latin typeface="Calibri" panose="020F0502020204030204" pitchFamily="34" charset="0"/>
+              </a:rPr>
+              <a:t>('</a:t>
+            </a:r>
+            <a:r>
+              <a:rPr lang="fr-FR" dirty="0" err="1">
+                <a:latin typeface="Calibri" panose="020F0502020204030204" pitchFamily="34" charset="0"/>
+              </a:rPr>
+              <a:t>ww</a:t>
+            </a:r>
+            <a:r>
+              <a:rPr lang="fr-FR" dirty="0">
+                <a:latin typeface="Calibri" panose="020F0502020204030204" pitchFamily="34" charset="0"/>
+              </a:rPr>
+              <a:t>');</a:t>
+            </a:r>
+            <a:endParaRPr lang="en-US" dirty="0">
+              <a:latin typeface="Calibri" panose="020F0502020204030204" pitchFamily="34" charset="0"/>
+            </a:endParaRPr>
+          </a:p>
+        </p:txBody>
+      </p:sp>
+    </p:spTree>
+    <p:extLst>
+      <p:ext uri="{BB962C8B-B14F-4D97-AF65-F5344CB8AC3E}">
+        <p14:creationId xmlns:p14="http://schemas.microsoft.com/office/powerpoint/2010/main" val="2086024808"/>
+      </p:ext>
+    </p:extLst>
+  </p:cSld>
+  <p:clrMapOvr>
+    <a:masterClrMapping/>
+  </p:clrMapOvr>
+  <p:timing>
+    <p:tnLst>
+      <p:par>
+        <p:cTn id="1" dur="indefinite" restart="never" nodeType="tmRoot"/>
+      </p:par>
+    </p:tnLst>
+  </p:timing>
+</p:sld>
+</file>
+
+<file path=ppt/slides/slide18.xml><?xml version="1.0" encoding="utf-8"?>
+<p:sld xmlns:a="http://schemas.openxmlformats.org/drawingml/2006/main" xmlns:r="http://schemas.openxmlformats.org/officeDocument/2006/relationships" xmlns:p="http://schemas.openxmlformats.org/presentationml/2006/main">
+  <p:cSld>
+    <p:spTree>
+      <p:nvGrpSpPr>
+        <p:cNvPr id="1" name=""/>
+        <p:cNvGrpSpPr/>
+        <p:nvPr/>
+      </p:nvGrpSpPr>
+      <p:grpSpPr>
+        <a:xfrm>
+          <a:off x="0" y="0"/>
+          <a:ext cx="0" cy="0"/>
+          <a:chOff x="0" y="0"/>
+          <a:chExt cx="0" cy="0"/>
+        </a:xfrm>
+      </p:grpSpPr>
+      <p:sp>
+        <p:nvSpPr>
+          <p:cNvPr id="2" name="Title 1"/>
+          <p:cNvSpPr>
+            <a:spLocks noGrp="1"/>
+          </p:cNvSpPr>
+          <p:nvPr>
+            <p:ph type="title"/>
+          </p:nvPr>
+        </p:nvSpPr>
+        <p:spPr/>
+        <p:txBody>
+          <a:bodyPr/>
+          <a:lstStyle/>
+          <a:p>
+            <a:r>
+              <a:rPr lang="en-US" dirty="0" smtClean="0"/>
               <a:t>Modules</a:t>
             </a:r>
             <a:endParaRPr lang="en-US" dirty="0"/>
@@ -34340,7 +34845,7 @@
 </p:sld>
 </file>
 
-<file path=ppt/slides/slide18.xml><?xml version="1.0" encoding="utf-8"?>
+<file path=ppt/slides/slide19.xml><?xml version="1.0" encoding="utf-8"?>
 <p:sld xmlns:a="http://schemas.openxmlformats.org/drawingml/2006/main" xmlns:r="http://schemas.openxmlformats.org/officeDocument/2006/relationships" xmlns:p="http://schemas.openxmlformats.org/presentationml/2006/main">
   <p:cSld>
     <p:spTree>
@@ -34563,7 +35068,6 @@
               <a:rPr lang="en-US" dirty="0" smtClean="0"/>
               <a:t>Types</a:t>
             </a:r>
-            <a:endParaRPr lang="en-US" dirty="0" smtClean="0"/>
           </a:p>
         </p:txBody>
       </p:sp>
@@ -34873,7 +35377,6 @@
               <a:rPr lang="en-US" dirty="0" smtClean="0"/>
               <a:t>Conclusion</a:t>
             </a:r>
-            <a:endParaRPr lang="en-US" dirty="0" smtClean="0"/>
           </a:p>
         </p:txBody>
       </p:sp>
@@ -35123,17 +35626,8 @@
           <a:p>
             <a:r>
               <a:rPr lang="en-US" dirty="0" smtClean="0"/>
-              <a:t>Superset </a:t>
-            </a:r>
-            <a:r>
-              <a:rPr lang="en-US" dirty="0" smtClean="0"/>
-              <a:t>of </a:t>
-            </a:r>
-            <a:r>
-              <a:rPr lang="en-US" dirty="0" smtClean="0"/>
-              <a:t>JavaScript</a:t>
-            </a:r>
-            <a:endParaRPr lang="en-US" dirty="0" smtClean="0"/>
+              <a:t>Superset of JavaScript</a:t>
+            </a:r>
           </a:p>
           <a:p>
             <a:r>
@@ -35149,15 +35643,7 @@
           <a:p>
             <a:r>
               <a:rPr lang="en-US" dirty="0" smtClean="0"/>
-              <a:t>Need to compile to </a:t>
-            </a:r>
-            <a:r>
-              <a:rPr lang="en-US" dirty="0" smtClean="0"/>
-              <a:t>JavaScript </a:t>
-            </a:r>
-            <a:r>
-              <a:rPr lang="en-US" dirty="0" smtClean="0"/>
-              <a:t>to be used</a:t>
+              <a:t>Need to compile to JavaScript to be used</a:t>
             </a:r>
           </a:p>
           <a:p>
@@ -35175,15 +35661,7 @@
           <a:p>
             <a:r>
               <a:rPr lang="en-US" dirty="0" smtClean="0"/>
-              <a:t>2.3 </a:t>
-            </a:r>
-            <a:r>
-              <a:rPr lang="en-US" dirty="0" smtClean="0"/>
-              <a:t>is the </a:t>
-            </a:r>
-            <a:r>
-              <a:rPr lang="en-US" dirty="0" smtClean="0"/>
-              <a:t>stable version</a:t>
+              <a:t>2.3 is the stable version</a:t>
             </a:r>
           </a:p>
           <a:p>
@@ -35281,7 +35759,6 @@
               <a:rPr lang="en-US" dirty="0" smtClean="0"/>
               <a:t>Compilation</a:t>
             </a:r>
-            <a:endParaRPr lang="en-US" dirty="0" smtClean="0"/>
           </a:p>
           <a:p>
             <a:r>
@@ -35424,7 +35901,6 @@
               <a:rPr lang="en-US" dirty="0" smtClean="0"/>
               <a:t>Classes</a:t>
             </a:r>
-            <a:endParaRPr lang="en-US" dirty="0" smtClean="0"/>
           </a:p>
           <a:p>
             <a:r>
@@ -35437,17 +35913,6 @@
             <a:r>
               <a:rPr lang="en-US" dirty="0" smtClean="0"/>
               <a:t>Interfaces</a:t>
-            </a:r>
-            <a:endParaRPr lang="en-US" dirty="0"/>
-          </a:p>
-          <a:p>
-            <a:r>
-              <a:rPr lang="en-US" dirty="0"/>
-              <a:t>Access Modifiers and </a:t>
-            </a:r>
-            <a:r>
-              <a:rPr lang="en-US" dirty="0" smtClean="0"/>
-              <a:t>Properties</a:t>
             </a:r>
             <a:endParaRPr lang="en-US" dirty="0"/>
           </a:p>
@@ -35709,6 +36174,16 @@
           </a:lstStyle>
           <a:p>
             <a:r>
+              <a:rPr lang="en-US" dirty="0"/>
+              <a:t>Access Modifiers and </a:t>
+            </a:r>
+            <a:r>
+              <a:rPr lang="en-US" dirty="0" smtClean="0"/>
+              <a:t>Properties</a:t>
+            </a:r>
+          </a:p>
+          <a:p>
+            <a:r>
               <a:rPr lang="en-US" dirty="0" smtClean="0"/>
               <a:t>Function Overloading</a:t>
             </a:r>
@@ -35724,21 +36199,6 @@
               <a:rPr lang="en-US" dirty="0" smtClean="0"/>
               <a:t>Modules</a:t>
             </a:r>
-          </a:p>
-          <a:p>
-            <a:r>
-              <a:rPr lang="en-US" dirty="0" smtClean="0"/>
-              <a:t>Namespace</a:t>
-            </a:r>
-          </a:p>
-          <a:p>
-            <a:r>
-              <a:rPr lang="en-US" dirty="0" smtClean="0"/>
-              <a:t>Tuple</a:t>
-            </a:r>
-          </a:p>
-          <a:p>
-            <a:endParaRPr lang="en-US" dirty="0" smtClean="0"/>
           </a:p>
           <a:p>
             <a:endParaRPr lang="en-US" b="1" dirty="0" smtClean="0"/>

--- a/docs/typescript-session-ppt.pptx
+++ b/docs/typescript-session-ppt.pptx
@@ -4140,184 +4140,6 @@
       <dsp:cNvGrpSpPr/>
     </dsp:nvGrpSpPr>
     <dsp:grpSpPr/>
-    <dsp:sp modelId="{7CC3CF68-62F6-420E-AD22-97D7EA1E16B0}">
-      <dsp:nvSpPr>
-        <dsp:cNvPr id="0" name=""/>
-        <dsp:cNvSpPr/>
-      </dsp:nvSpPr>
-      <dsp:spPr>
-        <a:xfrm>
-          <a:off x="3110391" y="0"/>
-          <a:ext cx="3910642" cy="3910642"/>
-        </a:xfrm>
-        <a:prstGeom prst="ellipse">
-          <a:avLst/>
-        </a:prstGeom>
-        <a:solidFill>
-          <a:schemeClr val="accent3">
-            <a:shade val="50000"/>
-            <a:hueOff val="0"/>
-            <a:satOff val="0"/>
-            <a:lumOff val="0"/>
-            <a:alphaOff val="0"/>
-          </a:schemeClr>
-        </a:solidFill>
-        <a:ln w="19050" cap="rnd" cmpd="sng" algn="ctr">
-          <a:solidFill>
-            <a:schemeClr val="lt1">
-              <a:hueOff val="0"/>
-              <a:satOff val="0"/>
-              <a:lumOff val="0"/>
-              <a:alphaOff val="0"/>
-            </a:schemeClr>
-          </a:solidFill>
-          <a:prstDash val="solid"/>
-        </a:ln>
-        <a:effectLst/>
-      </dsp:spPr>
-      <dsp:style>
-        <a:lnRef idx="2">
-          <a:scrgbClr r="0" g="0" b="0"/>
-        </a:lnRef>
-        <a:fillRef idx="1">
-          <a:scrgbClr r="0" g="0" b="0"/>
-        </a:fillRef>
-        <a:effectRef idx="0">
-          <a:scrgbClr r="0" g="0" b="0"/>
-        </a:effectRef>
-        <a:fontRef idx="minor">
-          <a:schemeClr val="lt1"/>
-        </a:fontRef>
-      </dsp:style>
-      <dsp:txBody>
-        <a:bodyPr spcFirstLastPara="0" vert="horz" wrap="square" lIns="163576" tIns="163576" rIns="163576" bIns="163576" numCol="1" spcCol="1270" anchor="ctr" anchorCtr="0">
-          <a:noAutofit/>
-        </a:bodyPr>
-        <a:lstStyle/>
-        <a:p>
-          <a:pPr lvl="0" algn="ctr" defTabSz="1022350">
-            <a:lnSpc>
-              <a:spcPct val="90000"/>
-            </a:lnSpc>
-            <a:spcBef>
-              <a:spcPct val="0"/>
-            </a:spcBef>
-            <a:spcAft>
-              <a:spcPct val="35000"/>
-            </a:spcAft>
-          </a:pPr>
-          <a:r>
-            <a:rPr lang="en-US" sz="2300" kern="1200" dirty="0" smtClean="0"/>
-            <a:t>TypeScript</a:t>
-          </a:r>
-          <a:endParaRPr lang="en-US" sz="2300" kern="1200" dirty="0"/>
-        </a:p>
-      </dsp:txBody>
-      <dsp:txXfrm>
-        <a:off x="4039168" y="293298"/>
-        <a:ext cx="2053087" cy="664809"/>
-      </dsp:txXfrm>
-    </dsp:sp>
-    <dsp:sp modelId="{D15967E5-0E5D-4FAE-AE7E-FF73DD147DD4}">
-      <dsp:nvSpPr>
-        <dsp:cNvPr id="0" name=""/>
-        <dsp:cNvSpPr/>
-      </dsp:nvSpPr>
-      <dsp:spPr>
-        <a:xfrm>
-          <a:off x="3864333" y="969008"/>
-          <a:ext cx="2402757" cy="2274527"/>
-        </a:xfrm>
-        <a:prstGeom prst="ellipse">
-          <a:avLst/>
-        </a:prstGeom>
-        <a:solidFill>
-          <a:schemeClr val="accent3">
-            <a:shade val="50000"/>
-            <a:hueOff val="-637942"/>
-            <a:satOff val="2789"/>
-            <a:lumOff val="44700"/>
-            <a:alphaOff val="0"/>
-          </a:schemeClr>
-        </a:solidFill>
-        <a:ln w="19050" cap="rnd" cmpd="sng" algn="ctr">
-          <a:solidFill>
-            <a:schemeClr val="lt1">
-              <a:hueOff val="0"/>
-              <a:satOff val="0"/>
-              <a:lumOff val="0"/>
-              <a:alphaOff val="0"/>
-            </a:schemeClr>
-          </a:solidFill>
-          <a:prstDash val="solid"/>
-        </a:ln>
-        <a:effectLst/>
-      </dsp:spPr>
-      <dsp:style>
-        <a:lnRef idx="2">
-          <a:scrgbClr r="0" g="0" b="0"/>
-        </a:lnRef>
-        <a:fillRef idx="1">
-          <a:scrgbClr r="0" g="0" b="0"/>
-        </a:fillRef>
-        <a:effectRef idx="0">
-          <a:scrgbClr r="0" g="0" b="0"/>
-        </a:effectRef>
-        <a:fontRef idx="minor">
-          <a:schemeClr val="lt1"/>
-        </a:fontRef>
-      </dsp:style>
-      <dsp:txBody>
-        <a:bodyPr spcFirstLastPara="0" vert="horz" wrap="square" lIns="120904" tIns="120904" rIns="120904" bIns="120904" numCol="1" spcCol="1270" anchor="ctr" anchorCtr="0">
-          <a:noAutofit/>
-        </a:bodyPr>
-        <a:lstStyle/>
-        <a:p>
-          <a:pPr lvl="0" algn="ctr" defTabSz="755650">
-            <a:lnSpc>
-              <a:spcPct val="90000"/>
-            </a:lnSpc>
-            <a:spcBef>
-              <a:spcPct val="0"/>
-            </a:spcBef>
-            <a:spcAft>
-              <a:spcPct val="35000"/>
-            </a:spcAft>
-          </a:pPr>
-          <a:endParaRPr lang="en-US" sz="1700" kern="1200" dirty="0" smtClean="0"/>
-        </a:p>
-        <a:p>
-          <a:pPr lvl="0" algn="ctr" defTabSz="755650">
-            <a:lnSpc>
-              <a:spcPct val="90000"/>
-            </a:lnSpc>
-            <a:spcBef>
-              <a:spcPct val="0"/>
-            </a:spcBef>
-            <a:spcAft>
-              <a:spcPct val="35000"/>
-            </a:spcAft>
-          </a:pPr>
-          <a:r>
-            <a:rPr lang="en-US" sz="1800" b="1" kern="1200" dirty="0" smtClean="0">
-              <a:solidFill>
-                <a:schemeClr val="tx1"/>
-              </a:solidFill>
-            </a:rPr>
-            <a:t>JavaScript</a:t>
-          </a:r>
-          <a:endParaRPr lang="en-US" sz="1800" b="1" kern="1200" dirty="0">
-            <a:solidFill>
-              <a:schemeClr val="tx1"/>
-            </a:solidFill>
-          </a:endParaRPr>
-        </a:p>
-      </dsp:txBody>
-      <dsp:txXfrm>
-        <a:off x="4216209" y="1537639"/>
-        <a:ext cx="1699005" cy="1137263"/>
-      </dsp:txXfrm>
-    </dsp:sp>
   </dsp:spTree>
 </dsp:drawing>
 </file>
@@ -4330,369 +4152,6 @@
       <dsp:cNvGrpSpPr/>
     </dsp:nvGrpSpPr>
     <dsp:grpSpPr/>
-    <dsp:sp modelId="{B844661F-8641-468B-B255-B40093F50C00}">
-      <dsp:nvSpPr>
-        <dsp:cNvPr id="0" name=""/>
-        <dsp:cNvSpPr/>
-      </dsp:nvSpPr>
-      <dsp:spPr>
-        <a:xfrm>
-          <a:off x="1473" y="731688"/>
-          <a:ext cx="1952922" cy="1952922"/>
-        </a:xfrm>
-        <a:prstGeom prst="ellipse">
-          <a:avLst/>
-        </a:prstGeom>
-        <a:solidFill>
-          <a:schemeClr val="dk2">
-            <a:hueOff val="0"/>
-            <a:satOff val="0"/>
-            <a:lumOff val="0"/>
-            <a:alphaOff val="0"/>
-          </a:schemeClr>
-        </a:solidFill>
-        <a:ln w="19050" cap="rnd" cmpd="sng" algn="ctr">
-          <a:solidFill>
-            <a:schemeClr val="lt2">
-              <a:hueOff val="0"/>
-              <a:satOff val="0"/>
-              <a:lumOff val="0"/>
-              <a:alphaOff val="0"/>
-            </a:schemeClr>
-          </a:solidFill>
-          <a:prstDash val="solid"/>
-        </a:ln>
-        <a:effectLst/>
-      </dsp:spPr>
-      <dsp:style>
-        <a:lnRef idx="2">
-          <a:scrgbClr r="0" g="0" b="0"/>
-        </a:lnRef>
-        <a:fillRef idx="1">
-          <a:scrgbClr r="0" g="0" b="0"/>
-        </a:fillRef>
-        <a:effectRef idx="0">
-          <a:scrgbClr r="0" g="0" b="0"/>
-        </a:effectRef>
-        <a:fontRef idx="minor">
-          <a:schemeClr val="lt1"/>
-        </a:fontRef>
-      </dsp:style>
-      <dsp:txBody>
-        <a:bodyPr spcFirstLastPara="0" vert="horz" wrap="square" lIns="26670" tIns="26670" rIns="26670" bIns="26670" numCol="1" spcCol="1270" anchor="ctr" anchorCtr="0">
-          <a:noAutofit/>
-        </a:bodyPr>
-        <a:lstStyle/>
-        <a:p>
-          <a:pPr lvl="0" algn="ctr" defTabSz="933450">
-            <a:lnSpc>
-              <a:spcPct val="90000"/>
-            </a:lnSpc>
-            <a:spcBef>
-              <a:spcPct val="0"/>
-            </a:spcBef>
-            <a:spcAft>
-              <a:spcPct val="35000"/>
-            </a:spcAft>
-          </a:pPr>
-          <a:r>
-            <a:rPr lang="en-US" sz="2100" kern="1200" dirty="0" smtClean="0"/>
-            <a:t>ES6</a:t>
-          </a:r>
-          <a:endParaRPr lang="en-US" sz="2100" kern="1200" dirty="0"/>
-        </a:p>
-      </dsp:txBody>
-      <dsp:txXfrm>
-        <a:off x="287472" y="1017687"/>
-        <a:ext cx="1380924" cy="1380924"/>
-      </dsp:txXfrm>
-    </dsp:sp>
-    <dsp:sp modelId="{79986173-6650-4EB1-9A1E-2A486A4C3A4F}">
-      <dsp:nvSpPr>
-        <dsp:cNvPr id="0" name=""/>
-        <dsp:cNvSpPr/>
-      </dsp:nvSpPr>
-      <dsp:spPr>
-        <a:xfrm>
-          <a:off x="2112973" y="1141802"/>
-          <a:ext cx="1132694" cy="1132694"/>
-        </a:xfrm>
-        <a:prstGeom prst="mathPlus">
-          <a:avLst/>
-        </a:prstGeom>
-        <a:solidFill>
-          <a:schemeClr val="dk2">
-            <a:tint val="60000"/>
-            <a:hueOff val="0"/>
-            <a:satOff val="0"/>
-            <a:lumOff val="0"/>
-            <a:alphaOff val="0"/>
-          </a:schemeClr>
-        </a:solidFill>
-        <a:ln>
-          <a:noFill/>
-        </a:ln>
-        <a:effectLst/>
-      </dsp:spPr>
-      <dsp:style>
-        <a:lnRef idx="0">
-          <a:scrgbClr r="0" g="0" b="0"/>
-        </a:lnRef>
-        <a:fillRef idx="1">
-          <a:scrgbClr r="0" g="0" b="0"/>
-        </a:fillRef>
-        <a:effectRef idx="0">
-          <a:scrgbClr r="0" g="0" b="0"/>
-        </a:effectRef>
-        <a:fontRef idx="minor">
-          <a:schemeClr val="lt1"/>
-        </a:fontRef>
-      </dsp:style>
-      <dsp:txBody>
-        <a:bodyPr spcFirstLastPara="0" vert="horz" wrap="square" lIns="0" tIns="0" rIns="0" bIns="0" numCol="1" spcCol="1270" anchor="ctr" anchorCtr="0">
-          <a:noAutofit/>
-        </a:bodyPr>
-        <a:lstStyle/>
-        <a:p>
-          <a:pPr lvl="0" algn="ctr" defTabSz="755650">
-            <a:lnSpc>
-              <a:spcPct val="90000"/>
-            </a:lnSpc>
-            <a:spcBef>
-              <a:spcPct val="0"/>
-            </a:spcBef>
-            <a:spcAft>
-              <a:spcPct val="35000"/>
-            </a:spcAft>
-          </a:pPr>
-          <a:endParaRPr lang="en-US" sz="1700" kern="1200"/>
-        </a:p>
-      </dsp:txBody>
-      <dsp:txXfrm>
-        <a:off x="2263112" y="1574944"/>
-        <a:ext cx="832416" cy="266410"/>
-      </dsp:txXfrm>
-    </dsp:sp>
-    <dsp:sp modelId="{315CA886-E472-436F-81FD-E9A78B01A7E1}">
-      <dsp:nvSpPr>
-        <dsp:cNvPr id="0" name=""/>
-        <dsp:cNvSpPr/>
-      </dsp:nvSpPr>
-      <dsp:spPr>
-        <a:xfrm>
-          <a:off x="3404245" y="731688"/>
-          <a:ext cx="1952922" cy="1952922"/>
-        </a:xfrm>
-        <a:prstGeom prst="ellipse">
-          <a:avLst/>
-        </a:prstGeom>
-        <a:solidFill>
-          <a:schemeClr val="dk2">
-            <a:hueOff val="0"/>
-            <a:satOff val="0"/>
-            <a:lumOff val="0"/>
-            <a:alphaOff val="0"/>
-          </a:schemeClr>
-        </a:solidFill>
-        <a:ln w="19050" cap="rnd" cmpd="sng" algn="ctr">
-          <a:solidFill>
-            <a:schemeClr val="lt2">
-              <a:hueOff val="0"/>
-              <a:satOff val="0"/>
-              <a:lumOff val="0"/>
-              <a:alphaOff val="0"/>
-            </a:schemeClr>
-          </a:solidFill>
-          <a:prstDash val="solid"/>
-        </a:ln>
-        <a:effectLst/>
-      </dsp:spPr>
-      <dsp:style>
-        <a:lnRef idx="2">
-          <a:scrgbClr r="0" g="0" b="0"/>
-        </a:lnRef>
-        <a:fillRef idx="1">
-          <a:scrgbClr r="0" g="0" b="0"/>
-        </a:fillRef>
-        <a:effectRef idx="0">
-          <a:scrgbClr r="0" g="0" b="0"/>
-        </a:effectRef>
-        <a:fontRef idx="minor">
-          <a:schemeClr val="lt1"/>
-        </a:fontRef>
-      </dsp:style>
-      <dsp:txBody>
-        <a:bodyPr spcFirstLastPara="0" vert="horz" wrap="square" lIns="26670" tIns="26670" rIns="26670" bIns="26670" numCol="1" spcCol="1270" anchor="ctr" anchorCtr="0">
-          <a:noAutofit/>
-        </a:bodyPr>
-        <a:lstStyle/>
-        <a:p>
-          <a:pPr lvl="0" algn="ctr" defTabSz="933450">
-            <a:lnSpc>
-              <a:spcPct val="90000"/>
-            </a:lnSpc>
-            <a:spcBef>
-              <a:spcPct val="0"/>
-            </a:spcBef>
-            <a:spcAft>
-              <a:spcPct val="35000"/>
-            </a:spcAft>
-          </a:pPr>
-          <a:r>
-            <a:rPr lang="en-US" sz="2100" kern="1200" dirty="0" smtClean="0"/>
-            <a:t>Types</a:t>
-          </a:r>
-          <a:endParaRPr lang="en-US" sz="2100" kern="1200" dirty="0"/>
-        </a:p>
-      </dsp:txBody>
-      <dsp:txXfrm>
-        <a:off x="3690244" y="1017687"/>
-        <a:ext cx="1380924" cy="1380924"/>
-      </dsp:txXfrm>
-    </dsp:sp>
-    <dsp:sp modelId="{6D9A7692-CFD3-4234-BCEE-2150CBF98404}">
-      <dsp:nvSpPr>
-        <dsp:cNvPr id="0" name=""/>
-        <dsp:cNvSpPr/>
-      </dsp:nvSpPr>
-      <dsp:spPr>
-        <a:xfrm>
-          <a:off x="5515744" y="1141802"/>
-          <a:ext cx="1132694" cy="1132694"/>
-        </a:xfrm>
-        <a:prstGeom prst="mathEqual">
-          <a:avLst/>
-        </a:prstGeom>
-        <a:solidFill>
-          <a:schemeClr val="dk2">
-            <a:tint val="60000"/>
-            <a:hueOff val="0"/>
-            <a:satOff val="0"/>
-            <a:lumOff val="0"/>
-            <a:alphaOff val="0"/>
-          </a:schemeClr>
-        </a:solidFill>
-        <a:ln>
-          <a:noFill/>
-        </a:ln>
-        <a:effectLst/>
-      </dsp:spPr>
-      <dsp:style>
-        <a:lnRef idx="0">
-          <a:scrgbClr r="0" g="0" b="0"/>
-        </a:lnRef>
-        <a:fillRef idx="1">
-          <a:scrgbClr r="0" g="0" b="0"/>
-        </a:fillRef>
-        <a:effectRef idx="0">
-          <a:scrgbClr r="0" g="0" b="0"/>
-        </a:effectRef>
-        <a:fontRef idx="minor">
-          <a:schemeClr val="lt1"/>
-        </a:fontRef>
-      </dsp:style>
-      <dsp:txBody>
-        <a:bodyPr spcFirstLastPara="0" vert="horz" wrap="square" lIns="0" tIns="0" rIns="0" bIns="0" numCol="1" spcCol="1270" anchor="ctr" anchorCtr="0">
-          <a:noAutofit/>
-        </a:bodyPr>
-        <a:lstStyle/>
-        <a:p>
-          <a:pPr lvl="0" algn="ctr" defTabSz="755650">
-            <a:lnSpc>
-              <a:spcPct val="90000"/>
-            </a:lnSpc>
-            <a:spcBef>
-              <a:spcPct val="0"/>
-            </a:spcBef>
-            <a:spcAft>
-              <a:spcPct val="35000"/>
-            </a:spcAft>
-          </a:pPr>
-          <a:endParaRPr lang="en-US" sz="1700" kern="1200"/>
-        </a:p>
-      </dsp:txBody>
-      <dsp:txXfrm>
-        <a:off x="5665883" y="1375137"/>
-        <a:ext cx="832416" cy="666024"/>
-      </dsp:txXfrm>
-    </dsp:sp>
-    <dsp:sp modelId="{D0752F93-4AE2-4F15-8E17-213E4D3EA6C6}">
-      <dsp:nvSpPr>
-        <dsp:cNvPr id="0" name=""/>
-        <dsp:cNvSpPr/>
-      </dsp:nvSpPr>
-      <dsp:spPr>
-        <a:xfrm>
-          <a:off x="6807017" y="731688"/>
-          <a:ext cx="1952922" cy="1952922"/>
-        </a:xfrm>
-        <a:prstGeom prst="ellipse">
-          <a:avLst/>
-        </a:prstGeom>
-        <a:solidFill>
-          <a:schemeClr val="dk2">
-            <a:hueOff val="0"/>
-            <a:satOff val="0"/>
-            <a:lumOff val="0"/>
-            <a:alphaOff val="0"/>
-          </a:schemeClr>
-        </a:solidFill>
-        <a:ln w="19050" cap="rnd" cmpd="sng" algn="ctr">
-          <a:solidFill>
-            <a:schemeClr val="lt2">
-              <a:hueOff val="0"/>
-              <a:satOff val="0"/>
-              <a:lumOff val="0"/>
-              <a:alphaOff val="0"/>
-            </a:schemeClr>
-          </a:solidFill>
-          <a:prstDash val="solid"/>
-        </a:ln>
-        <a:effectLst/>
-      </dsp:spPr>
-      <dsp:style>
-        <a:lnRef idx="2">
-          <a:scrgbClr r="0" g="0" b="0"/>
-        </a:lnRef>
-        <a:fillRef idx="1">
-          <a:scrgbClr r="0" g="0" b="0"/>
-        </a:fillRef>
-        <a:effectRef idx="0">
-          <a:scrgbClr r="0" g="0" b="0"/>
-        </a:effectRef>
-        <a:fontRef idx="minor">
-          <a:schemeClr val="lt1"/>
-        </a:fontRef>
-      </dsp:style>
-      <dsp:txBody>
-        <a:bodyPr spcFirstLastPara="0" vert="horz" wrap="square" lIns="26670" tIns="26670" rIns="26670" bIns="26670" numCol="1" spcCol="1270" anchor="ctr" anchorCtr="0">
-          <a:noAutofit/>
-        </a:bodyPr>
-        <a:lstStyle/>
-        <a:p>
-          <a:pPr lvl="0" algn="ctr" defTabSz="933450">
-            <a:lnSpc>
-              <a:spcPct val="90000"/>
-            </a:lnSpc>
-            <a:spcBef>
-              <a:spcPct val="0"/>
-            </a:spcBef>
-            <a:spcAft>
-              <a:spcPct val="35000"/>
-            </a:spcAft>
-          </a:pPr>
-          <a:r>
-            <a:rPr lang="en-US" sz="2100" kern="1200" dirty="0" err="1" smtClean="0"/>
-            <a:t>TypeScript</a:t>
-          </a:r>
-          <a:endParaRPr lang="en-US" sz="2100" kern="1200" dirty="0"/>
-        </a:p>
-      </dsp:txBody>
-      <dsp:txXfrm>
-        <a:off x="7093016" y="1017687"/>
-        <a:ext cx="1380924" cy="1380924"/>
-      </dsp:txXfrm>
-    </dsp:sp>
   </dsp:spTree>
 </dsp:drawing>
 </file>
@@ -4705,389 +4164,6 @@
       <dsp:cNvGrpSpPr/>
     </dsp:nvGrpSpPr>
     <dsp:grpSpPr/>
-    <dsp:sp modelId="{2E0C2D46-7CF4-4793-95F4-4282D982F999}">
-      <dsp:nvSpPr>
-        <dsp:cNvPr id="0" name=""/>
-        <dsp:cNvSpPr/>
-      </dsp:nvSpPr>
-      <dsp:spPr>
-        <a:xfrm>
-          <a:off x="5625185" y="1482419"/>
-          <a:ext cx="2453805" cy="2454259"/>
-        </a:xfrm>
-        <a:prstGeom prst="ellipse">
-          <a:avLst/>
-        </a:prstGeom>
-        <a:solidFill>
-          <a:schemeClr val="accent1">
-            <a:hueOff val="0"/>
-            <a:satOff val="0"/>
-            <a:lumOff val="0"/>
-            <a:alphaOff val="0"/>
-          </a:schemeClr>
-        </a:solidFill>
-        <a:ln w="19050" cap="rnd" cmpd="sng" algn="ctr">
-          <a:solidFill>
-            <a:schemeClr val="lt1">
-              <a:hueOff val="0"/>
-              <a:satOff val="0"/>
-              <a:lumOff val="0"/>
-              <a:alphaOff val="0"/>
-            </a:schemeClr>
-          </a:solidFill>
-          <a:prstDash val="solid"/>
-        </a:ln>
-        <a:effectLst/>
-      </dsp:spPr>
-      <dsp:style>
-        <a:lnRef idx="2">
-          <a:scrgbClr r="0" g="0" b="0"/>
-        </a:lnRef>
-        <a:fillRef idx="1">
-          <a:scrgbClr r="0" g="0" b="0"/>
-        </a:fillRef>
-        <a:effectRef idx="0">
-          <a:scrgbClr r="0" g="0" b="0"/>
-        </a:effectRef>
-        <a:fontRef idx="minor">
-          <a:schemeClr val="lt1"/>
-        </a:fontRef>
-      </dsp:style>
-    </dsp:sp>
-    <dsp:sp modelId="{3385F48D-E75E-447F-B709-3B40D8365EE8}">
-      <dsp:nvSpPr>
-        <dsp:cNvPr id="0" name=""/>
-        <dsp:cNvSpPr/>
-      </dsp:nvSpPr>
-      <dsp:spPr>
-        <a:xfrm>
-          <a:off x="5706659" y="1564242"/>
-          <a:ext cx="2290857" cy="2290613"/>
-        </a:xfrm>
-        <a:prstGeom prst="ellipse">
-          <a:avLst/>
-        </a:prstGeom>
-        <a:solidFill>
-          <a:schemeClr val="lt1">
-            <a:alpha val="90000"/>
-            <a:hueOff val="0"/>
-            <a:satOff val="0"/>
-            <a:lumOff val="0"/>
-            <a:alphaOff val="0"/>
-          </a:schemeClr>
-        </a:solidFill>
-        <a:ln w="19050" cap="rnd" cmpd="sng" algn="ctr">
-          <a:solidFill>
-            <a:schemeClr val="accent1">
-              <a:hueOff val="0"/>
-              <a:satOff val="0"/>
-              <a:lumOff val="0"/>
-              <a:alphaOff val="0"/>
-            </a:schemeClr>
-          </a:solidFill>
-          <a:prstDash val="solid"/>
-        </a:ln>
-        <a:effectLst/>
-      </dsp:spPr>
-      <dsp:style>
-        <a:lnRef idx="2">
-          <a:scrgbClr r="0" g="0" b="0"/>
-        </a:lnRef>
-        <a:fillRef idx="1">
-          <a:scrgbClr r="0" g="0" b="0"/>
-        </a:fillRef>
-        <a:effectRef idx="0">
-          <a:scrgbClr r="0" g="0" b="0"/>
-        </a:effectRef>
-        <a:fontRef idx="minor"/>
-      </dsp:style>
-      <dsp:txBody>
-        <a:bodyPr spcFirstLastPara="0" vert="horz" wrap="square" lIns="30480" tIns="30480" rIns="30480" bIns="30480" numCol="1" spcCol="1270" anchor="ctr" anchorCtr="0">
-          <a:noAutofit/>
-        </a:bodyPr>
-        <a:lstStyle/>
-        <a:p>
-          <a:pPr lvl="0" algn="ctr" defTabSz="1066800">
-            <a:lnSpc>
-              <a:spcPct val="90000"/>
-            </a:lnSpc>
-            <a:spcBef>
-              <a:spcPct val="0"/>
-            </a:spcBef>
-            <a:spcAft>
-              <a:spcPct val="35000"/>
-            </a:spcAft>
-          </a:pPr>
-          <a:r>
-            <a:rPr lang="en-US" sz="2400" kern="1200" dirty="0" err="1" smtClean="0"/>
-            <a:t>TypeScript</a:t>
-          </a:r>
-          <a:r>
-            <a:rPr lang="en-US" sz="2400" kern="1200" dirty="0" smtClean="0"/>
-            <a:t> Language Service</a:t>
-          </a:r>
-          <a:endParaRPr lang="en-US" sz="2400" kern="1200" dirty="0"/>
-        </a:p>
-      </dsp:txBody>
-      <dsp:txXfrm>
-        <a:off x="6034153" y="1891534"/>
-        <a:ext cx="1635870" cy="1636029"/>
-      </dsp:txXfrm>
-    </dsp:sp>
-    <dsp:sp modelId="{4E55379F-614A-4455-95BF-418B1FC9DDFC}">
-      <dsp:nvSpPr>
-        <dsp:cNvPr id="0" name=""/>
-        <dsp:cNvSpPr/>
-      </dsp:nvSpPr>
-      <dsp:spPr>
-        <a:xfrm rot="2700000">
-          <a:off x="3092062" y="1485386"/>
-          <a:ext cx="2447894" cy="2447894"/>
-        </a:xfrm>
-        <a:prstGeom prst="teardrop">
-          <a:avLst>
-            <a:gd name="adj" fmla="val 100000"/>
-          </a:avLst>
-        </a:prstGeom>
-        <a:solidFill>
-          <a:schemeClr val="accent1">
-            <a:hueOff val="0"/>
-            <a:satOff val="0"/>
-            <a:lumOff val="0"/>
-            <a:alphaOff val="0"/>
-          </a:schemeClr>
-        </a:solidFill>
-        <a:ln w="19050" cap="rnd" cmpd="sng" algn="ctr">
-          <a:solidFill>
-            <a:schemeClr val="lt1">
-              <a:hueOff val="0"/>
-              <a:satOff val="0"/>
-              <a:lumOff val="0"/>
-              <a:alphaOff val="0"/>
-            </a:schemeClr>
-          </a:solidFill>
-          <a:prstDash val="solid"/>
-        </a:ln>
-        <a:effectLst/>
-      </dsp:spPr>
-      <dsp:style>
-        <a:lnRef idx="2">
-          <a:scrgbClr r="0" g="0" b="0"/>
-        </a:lnRef>
-        <a:fillRef idx="1">
-          <a:scrgbClr r="0" g="0" b="0"/>
-        </a:fillRef>
-        <a:effectRef idx="0">
-          <a:scrgbClr r="0" g="0" b="0"/>
-        </a:effectRef>
-        <a:fontRef idx="minor">
-          <a:schemeClr val="lt1"/>
-        </a:fontRef>
-      </dsp:style>
-    </dsp:sp>
-    <dsp:sp modelId="{45A94571-5290-444A-B516-535AA93C7BA8}">
-      <dsp:nvSpPr>
-        <dsp:cNvPr id="0" name=""/>
-        <dsp:cNvSpPr/>
-      </dsp:nvSpPr>
-      <dsp:spPr>
-        <a:xfrm>
-          <a:off x="3170581" y="1564242"/>
-          <a:ext cx="2290857" cy="2290613"/>
-        </a:xfrm>
-        <a:prstGeom prst="ellipse">
-          <a:avLst/>
-        </a:prstGeom>
-        <a:solidFill>
-          <a:schemeClr val="lt1">
-            <a:alpha val="90000"/>
-            <a:hueOff val="0"/>
-            <a:satOff val="0"/>
-            <a:lumOff val="0"/>
-            <a:alphaOff val="0"/>
-          </a:schemeClr>
-        </a:solidFill>
-        <a:ln w="19050" cap="rnd" cmpd="sng" algn="ctr">
-          <a:solidFill>
-            <a:schemeClr val="accent1">
-              <a:hueOff val="0"/>
-              <a:satOff val="0"/>
-              <a:lumOff val="0"/>
-              <a:alphaOff val="0"/>
-            </a:schemeClr>
-          </a:solidFill>
-          <a:prstDash val="solid"/>
-        </a:ln>
-        <a:effectLst/>
-      </dsp:spPr>
-      <dsp:style>
-        <a:lnRef idx="2">
-          <a:scrgbClr r="0" g="0" b="0"/>
-        </a:lnRef>
-        <a:fillRef idx="1">
-          <a:scrgbClr r="0" g="0" b="0"/>
-        </a:fillRef>
-        <a:effectRef idx="0">
-          <a:scrgbClr r="0" g="0" b="0"/>
-        </a:effectRef>
-        <a:fontRef idx="minor"/>
-      </dsp:style>
-      <dsp:txBody>
-        <a:bodyPr spcFirstLastPara="0" vert="horz" wrap="square" lIns="30480" tIns="30480" rIns="30480" bIns="30480" numCol="1" spcCol="1270" anchor="ctr" anchorCtr="0">
-          <a:noAutofit/>
-        </a:bodyPr>
-        <a:lstStyle/>
-        <a:p>
-          <a:pPr lvl="0" algn="ctr" defTabSz="1066800">
-            <a:lnSpc>
-              <a:spcPct val="90000"/>
-            </a:lnSpc>
-            <a:spcBef>
-              <a:spcPct val="0"/>
-            </a:spcBef>
-            <a:spcAft>
-              <a:spcPct val="35000"/>
-            </a:spcAft>
-          </a:pPr>
-          <a:r>
-            <a:rPr lang="en-US" sz="2400" kern="1200" dirty="0" smtClean="0"/>
-            <a:t>Compiler</a:t>
-          </a:r>
-          <a:endParaRPr lang="en-US" sz="2400" kern="1200" dirty="0"/>
-        </a:p>
-      </dsp:txBody>
-      <dsp:txXfrm>
-        <a:off x="3498075" y="1891534"/>
-        <a:ext cx="1635870" cy="1636029"/>
-      </dsp:txXfrm>
-    </dsp:sp>
-    <dsp:sp modelId="{DBBFC66B-2E32-4273-92E3-F129874535FB}">
-      <dsp:nvSpPr>
-        <dsp:cNvPr id="0" name=""/>
-        <dsp:cNvSpPr/>
-      </dsp:nvSpPr>
-      <dsp:spPr>
-        <a:xfrm rot="2700000">
-          <a:off x="555984" y="1485386"/>
-          <a:ext cx="2447894" cy="2447894"/>
-        </a:xfrm>
-        <a:prstGeom prst="teardrop">
-          <a:avLst>
-            <a:gd name="adj" fmla="val 100000"/>
-          </a:avLst>
-        </a:prstGeom>
-        <a:solidFill>
-          <a:schemeClr val="accent1">
-            <a:hueOff val="0"/>
-            <a:satOff val="0"/>
-            <a:lumOff val="0"/>
-            <a:alphaOff val="0"/>
-          </a:schemeClr>
-        </a:solidFill>
-        <a:ln w="19050" cap="rnd" cmpd="sng" algn="ctr">
-          <a:solidFill>
-            <a:schemeClr val="lt1">
-              <a:hueOff val="0"/>
-              <a:satOff val="0"/>
-              <a:lumOff val="0"/>
-              <a:alphaOff val="0"/>
-            </a:schemeClr>
-          </a:solidFill>
-          <a:prstDash val="solid"/>
-        </a:ln>
-        <a:effectLst/>
-      </dsp:spPr>
-      <dsp:style>
-        <a:lnRef idx="2">
-          <a:scrgbClr r="0" g="0" b="0"/>
-        </a:lnRef>
-        <a:fillRef idx="1">
-          <a:scrgbClr r="0" g="0" b="0"/>
-        </a:fillRef>
-        <a:effectRef idx="0">
-          <a:scrgbClr r="0" g="0" b="0"/>
-        </a:effectRef>
-        <a:fontRef idx="minor">
-          <a:schemeClr val="lt1"/>
-        </a:fontRef>
-      </dsp:style>
-    </dsp:sp>
-    <dsp:sp modelId="{3F87F77B-3BFC-464D-A4EB-DA568D173E1D}">
-      <dsp:nvSpPr>
-        <dsp:cNvPr id="0" name=""/>
-        <dsp:cNvSpPr/>
-      </dsp:nvSpPr>
-      <dsp:spPr>
-        <a:xfrm>
-          <a:off x="634503" y="1564242"/>
-          <a:ext cx="2290857" cy="2290613"/>
-        </a:xfrm>
-        <a:prstGeom prst="ellipse">
-          <a:avLst/>
-        </a:prstGeom>
-        <a:solidFill>
-          <a:schemeClr val="lt1">
-            <a:alpha val="90000"/>
-            <a:hueOff val="0"/>
-            <a:satOff val="0"/>
-            <a:lumOff val="0"/>
-            <a:alphaOff val="0"/>
-          </a:schemeClr>
-        </a:solidFill>
-        <a:ln w="19050" cap="rnd" cmpd="sng" algn="ctr">
-          <a:solidFill>
-            <a:schemeClr val="accent1">
-              <a:hueOff val="0"/>
-              <a:satOff val="0"/>
-              <a:lumOff val="0"/>
-              <a:alphaOff val="0"/>
-            </a:schemeClr>
-          </a:solidFill>
-          <a:prstDash val="solid"/>
-        </a:ln>
-        <a:effectLst/>
-      </dsp:spPr>
-      <dsp:style>
-        <a:lnRef idx="2">
-          <a:scrgbClr r="0" g="0" b="0"/>
-        </a:lnRef>
-        <a:fillRef idx="1">
-          <a:scrgbClr r="0" g="0" b="0"/>
-        </a:fillRef>
-        <a:effectRef idx="0">
-          <a:scrgbClr r="0" g="0" b="0"/>
-        </a:effectRef>
-        <a:fontRef idx="minor"/>
-      </dsp:style>
-      <dsp:txBody>
-        <a:bodyPr spcFirstLastPara="0" vert="horz" wrap="square" lIns="30480" tIns="30480" rIns="30480" bIns="30480" numCol="1" spcCol="1270" anchor="ctr" anchorCtr="0">
-          <a:noAutofit/>
-        </a:bodyPr>
-        <a:lstStyle/>
-        <a:p>
-          <a:pPr lvl="0" algn="ctr" defTabSz="1066800">
-            <a:lnSpc>
-              <a:spcPct val="90000"/>
-            </a:lnSpc>
-            <a:spcBef>
-              <a:spcPct val="0"/>
-            </a:spcBef>
-            <a:spcAft>
-              <a:spcPct val="35000"/>
-            </a:spcAft>
-          </a:pPr>
-          <a:r>
-            <a:rPr lang="en-US" sz="2400" kern="1200" dirty="0" smtClean="0"/>
-            <a:t>Language</a:t>
-          </a:r>
-          <a:endParaRPr lang="en-US" sz="2400" kern="1200" dirty="0"/>
-        </a:p>
-      </dsp:txBody>
-      <dsp:txXfrm>
-        <a:off x="961997" y="1891534"/>
-        <a:ext cx="1635870" cy="1636029"/>
-      </dsp:txXfrm>
-    </dsp:sp>
   </dsp:spTree>
 </dsp:drawing>
 </file>
@@ -16643,8 +15719,305 @@
                 <a:ea typeface="+mn-ea"/>
                 <a:cs typeface="+mn-cs"/>
               </a:rPr>
-              <a:t> member is considered constant if:</a:t>
-            </a:r>
+              <a:t> member is considered constant if</a:t>
+            </a:r>
+            <a:r>
+              <a:rPr lang="en-US" sz="1200" b="0" i="0" kern="1200" dirty="0" smtClean="0">
+                <a:solidFill>
+                  <a:schemeClr val="tx1"/>
+                </a:solidFill>
+                <a:effectLst/>
+                <a:latin typeface="+mn-lt"/>
+                <a:ea typeface="+mn-ea"/>
+                <a:cs typeface="+mn-cs"/>
+              </a:rPr>
+              <a:t>:</a:t>
+            </a:r>
+          </a:p>
+          <a:p>
+            <a:endParaRPr lang="en-US" sz="1200" b="0" i="0" kern="1200" dirty="0" smtClean="0">
+              <a:solidFill>
+                <a:schemeClr val="tx1"/>
+              </a:solidFill>
+              <a:effectLst/>
+              <a:latin typeface="+mn-lt"/>
+              <a:ea typeface="+mn-ea"/>
+              <a:cs typeface="+mn-cs"/>
+            </a:endParaRPr>
+          </a:p>
+          <a:p>
+            <a:r>
+              <a:rPr lang="en-US" sz="1200" b="0" i="0" kern="1200" dirty="0" smtClean="0">
+                <a:solidFill>
+                  <a:schemeClr val="tx1"/>
+                </a:solidFill>
+                <a:effectLst/>
+                <a:latin typeface="+mn-lt"/>
+                <a:ea typeface="+mn-ea"/>
+                <a:cs typeface="+mn-cs"/>
+              </a:rPr>
+              <a:t>//////</a:t>
+            </a:r>
+          </a:p>
+          <a:p>
+            <a:endParaRPr lang="en-US" sz="1200" b="0" i="0" kern="1200" dirty="0" smtClean="0">
+              <a:solidFill>
+                <a:schemeClr val="tx1"/>
+              </a:solidFill>
+              <a:effectLst/>
+              <a:latin typeface="+mn-lt"/>
+              <a:ea typeface="+mn-ea"/>
+              <a:cs typeface="+mn-cs"/>
+            </a:endParaRPr>
+          </a:p>
+          <a:p>
+            <a:r>
+              <a:rPr lang="en-US" sz="1200" b="0" i="0" kern="1200" dirty="0" smtClean="0">
+                <a:solidFill>
+                  <a:schemeClr val="tx1"/>
+                </a:solidFill>
+                <a:effectLst/>
+                <a:latin typeface="+mn-lt"/>
+                <a:ea typeface="+mn-ea"/>
+                <a:cs typeface="+mn-cs"/>
+              </a:rPr>
+              <a:t>An </a:t>
+            </a:r>
+            <a:r>
+              <a:rPr lang="en-US" sz="1200" b="0" i="0" kern="1200" dirty="0" err="1" smtClean="0">
+                <a:solidFill>
+                  <a:schemeClr val="tx1"/>
+                </a:solidFill>
+                <a:effectLst/>
+                <a:latin typeface="+mn-lt"/>
+                <a:ea typeface="+mn-ea"/>
+                <a:cs typeface="+mn-cs"/>
+              </a:rPr>
+              <a:t>enum</a:t>
+            </a:r>
+            <a:r>
+              <a:rPr lang="en-US" sz="1200" b="0" i="0" kern="1200" dirty="0" smtClean="0">
+                <a:solidFill>
+                  <a:schemeClr val="tx1"/>
+                </a:solidFill>
+                <a:effectLst/>
+                <a:latin typeface="+mn-lt"/>
+                <a:ea typeface="+mn-ea"/>
+                <a:cs typeface="+mn-cs"/>
+              </a:rPr>
+              <a:t> is a way to organize a collection of related values. Many other programming languages (C/C#/Java) have an </a:t>
+            </a:r>
+            <a:r>
+              <a:rPr lang="en-US" dirty="0" err="1" smtClean="0"/>
+              <a:t>enum</a:t>
+            </a:r>
+            <a:r>
+              <a:rPr lang="en-US" sz="1200" b="0" i="0" kern="1200" dirty="0" smtClean="0">
+                <a:solidFill>
+                  <a:schemeClr val="tx1"/>
+                </a:solidFill>
+                <a:effectLst/>
+                <a:latin typeface="+mn-lt"/>
+                <a:ea typeface="+mn-ea"/>
+                <a:cs typeface="+mn-cs"/>
+              </a:rPr>
+              <a:t> data type but JavaScript does not. However </a:t>
+            </a:r>
+            <a:r>
+              <a:rPr lang="en-US" sz="1200" b="0" i="0" kern="1200" dirty="0" err="1" smtClean="0">
+                <a:solidFill>
+                  <a:schemeClr val="tx1"/>
+                </a:solidFill>
+                <a:effectLst/>
+                <a:latin typeface="+mn-lt"/>
+                <a:ea typeface="+mn-ea"/>
+                <a:cs typeface="+mn-cs"/>
+              </a:rPr>
+              <a:t>TypeScript</a:t>
+            </a:r>
+            <a:r>
+              <a:rPr lang="en-US" sz="1200" b="0" i="0" kern="1200" dirty="0" smtClean="0">
+                <a:solidFill>
+                  <a:schemeClr val="tx1"/>
+                </a:solidFill>
+                <a:effectLst/>
+                <a:latin typeface="+mn-lt"/>
+                <a:ea typeface="+mn-ea"/>
+                <a:cs typeface="+mn-cs"/>
+              </a:rPr>
+              <a:t> does. Here is an example definition of a </a:t>
+            </a:r>
+            <a:r>
+              <a:rPr lang="en-US" sz="1200" b="0" i="0" kern="1200" dirty="0" err="1" smtClean="0">
+                <a:solidFill>
+                  <a:schemeClr val="tx1"/>
+                </a:solidFill>
+                <a:effectLst/>
+                <a:latin typeface="+mn-lt"/>
+                <a:ea typeface="+mn-ea"/>
+                <a:cs typeface="+mn-cs"/>
+              </a:rPr>
+              <a:t>TypeScript</a:t>
+            </a:r>
+            <a:r>
+              <a:rPr lang="en-US" sz="1200" b="0" i="0" kern="1200" dirty="0" smtClean="0">
+                <a:solidFill>
+                  <a:schemeClr val="tx1"/>
+                </a:solidFill>
+                <a:effectLst/>
+                <a:latin typeface="+mn-lt"/>
+                <a:ea typeface="+mn-ea"/>
+                <a:cs typeface="+mn-cs"/>
+              </a:rPr>
+              <a:t> </a:t>
+            </a:r>
+            <a:r>
+              <a:rPr lang="en-US" sz="1200" b="0" i="0" kern="1200" dirty="0" err="1" smtClean="0">
+                <a:solidFill>
+                  <a:schemeClr val="tx1"/>
+                </a:solidFill>
+                <a:effectLst/>
+                <a:latin typeface="+mn-lt"/>
+                <a:ea typeface="+mn-ea"/>
+                <a:cs typeface="+mn-cs"/>
+              </a:rPr>
+              <a:t>enum</a:t>
+            </a:r>
+            <a:r>
+              <a:rPr lang="en-US" sz="1200" b="0" i="0" kern="1200" dirty="0" smtClean="0">
+                <a:solidFill>
+                  <a:schemeClr val="tx1"/>
+                </a:solidFill>
+                <a:effectLst/>
+                <a:latin typeface="+mn-lt"/>
+                <a:ea typeface="+mn-ea"/>
+                <a:cs typeface="+mn-cs"/>
+              </a:rPr>
+              <a:t>:</a:t>
+            </a:r>
+          </a:p>
+          <a:p>
+            <a:endParaRPr lang="en-US" sz="1200" b="0" i="0" kern="1200" dirty="0" smtClean="0">
+              <a:solidFill>
+                <a:schemeClr val="tx1"/>
+              </a:solidFill>
+              <a:effectLst/>
+              <a:latin typeface="+mn-lt"/>
+              <a:ea typeface="+mn-ea"/>
+              <a:cs typeface="+mn-cs"/>
+            </a:endParaRPr>
+          </a:p>
+          <a:p>
+            <a:r>
+              <a:rPr lang="en-US" sz="1200" b="0" i="0" kern="1200" dirty="0" err="1" smtClean="0">
+                <a:solidFill>
+                  <a:schemeClr val="tx1"/>
+                </a:solidFill>
+                <a:effectLst/>
+                <a:latin typeface="+mn-lt"/>
+                <a:ea typeface="+mn-ea"/>
+                <a:cs typeface="+mn-cs"/>
+              </a:rPr>
+              <a:t>TypeScript</a:t>
+            </a:r>
+            <a:r>
+              <a:rPr lang="en-US" sz="1200" b="0" i="0" kern="1200" dirty="0" smtClean="0">
+                <a:solidFill>
+                  <a:schemeClr val="tx1"/>
+                </a:solidFill>
+                <a:effectLst/>
+                <a:latin typeface="+mn-lt"/>
+                <a:ea typeface="+mn-ea"/>
+                <a:cs typeface="+mn-cs"/>
+              </a:rPr>
+              <a:t> </a:t>
+            </a:r>
+            <a:r>
+              <a:rPr lang="en-US" sz="1200" b="0" i="0" kern="1200" dirty="0" err="1" smtClean="0">
+                <a:solidFill>
+                  <a:schemeClr val="tx1"/>
+                </a:solidFill>
+                <a:effectLst/>
+                <a:latin typeface="+mn-lt"/>
+                <a:ea typeface="+mn-ea"/>
+                <a:cs typeface="+mn-cs"/>
+              </a:rPr>
+              <a:t>enums</a:t>
+            </a:r>
+            <a:r>
+              <a:rPr lang="en-US" sz="1200" b="0" i="0" kern="1200" dirty="0" smtClean="0">
+                <a:solidFill>
+                  <a:schemeClr val="tx1"/>
+                </a:solidFill>
+                <a:effectLst/>
+                <a:latin typeface="+mn-lt"/>
+                <a:ea typeface="+mn-ea"/>
+                <a:cs typeface="+mn-cs"/>
+              </a:rPr>
+              <a:t> are number based. This means that numbers can be assigned to an instance of the </a:t>
+            </a:r>
+            <a:r>
+              <a:rPr lang="en-US" sz="1200" b="0" i="0" kern="1200" dirty="0" err="1" smtClean="0">
+                <a:solidFill>
+                  <a:schemeClr val="tx1"/>
+                </a:solidFill>
+                <a:effectLst/>
+                <a:latin typeface="+mn-lt"/>
+                <a:ea typeface="+mn-ea"/>
+                <a:cs typeface="+mn-cs"/>
+              </a:rPr>
+              <a:t>enum</a:t>
+            </a:r>
+            <a:r>
+              <a:rPr lang="en-US" sz="1200" b="0" i="0" kern="1200" dirty="0" smtClean="0">
+                <a:solidFill>
+                  <a:schemeClr val="tx1"/>
+                </a:solidFill>
+                <a:effectLst/>
+                <a:latin typeface="+mn-lt"/>
+                <a:ea typeface="+mn-ea"/>
+                <a:cs typeface="+mn-cs"/>
+              </a:rPr>
+              <a:t>, and so can anything else that is compatible with </a:t>
+            </a:r>
+            <a:r>
+              <a:rPr lang="en-US" dirty="0" smtClean="0"/>
+              <a:t>number</a:t>
+            </a:r>
+            <a:r>
+              <a:rPr lang="en-US" sz="1200" b="0" i="0" kern="1200" dirty="0" smtClean="0">
+                <a:solidFill>
+                  <a:schemeClr val="tx1"/>
+                </a:solidFill>
+                <a:effectLst/>
+                <a:latin typeface="+mn-lt"/>
+                <a:ea typeface="+mn-ea"/>
+                <a:cs typeface="+mn-cs"/>
+              </a:rPr>
+              <a:t>.</a:t>
+            </a:r>
+          </a:p>
+          <a:p>
+            <a:endParaRPr lang="en-US" sz="1200" b="0" i="0" kern="1200" dirty="0" smtClean="0">
+              <a:solidFill>
+                <a:schemeClr val="tx1"/>
+              </a:solidFill>
+              <a:effectLst/>
+              <a:latin typeface="+mn-lt"/>
+              <a:ea typeface="+mn-ea"/>
+              <a:cs typeface="+mn-cs"/>
+            </a:endParaRPr>
+          </a:p>
+          <a:p>
+            <a:endParaRPr lang="en-US" sz="1200" b="0" i="0" kern="1200" dirty="0" smtClean="0">
+              <a:solidFill>
+                <a:schemeClr val="tx1"/>
+              </a:solidFill>
+              <a:effectLst/>
+              <a:latin typeface="+mn-lt"/>
+              <a:ea typeface="+mn-ea"/>
+              <a:cs typeface="+mn-cs"/>
+            </a:endParaRPr>
           </a:p>
           <a:p>
             <a:endParaRPr lang="en-US" dirty="0"/>
